--- a/课程/初级/html+css部分.pptx
+++ b/课程/初级/html+css部分.pptx
@@ -15,6 +15,22 @@
     <p:sldId id="264" r:id="rId10"/>
     <p:sldId id="265" r:id="rId11"/>
     <p:sldId id="266" r:id="rId12"/>
+    <p:sldId id="267" r:id="rId13"/>
+    <p:sldId id="268" r:id="rId14"/>
+    <p:sldId id="269" r:id="rId15"/>
+    <p:sldId id="270" r:id="rId16"/>
+    <p:sldId id="271" r:id="rId17"/>
+    <p:sldId id="272" r:id="rId18"/>
+    <p:sldId id="273" r:id="rId19"/>
+    <p:sldId id="274" r:id="rId20"/>
+    <p:sldId id="275" r:id="rId21"/>
+    <p:sldId id="276" r:id="rId22"/>
+    <p:sldId id="277" r:id="rId23"/>
+    <p:sldId id="278" r:id="rId24"/>
+    <p:sldId id="279" r:id="rId25"/>
+    <p:sldId id="280" r:id="rId26"/>
+    <p:sldId id="281" r:id="rId27"/>
+    <p:sldId id="282" r:id="rId28"/>
   </p:sldIdLst>
   <p:sldSz cx="12192000" cy="6858000"/>
   <p:notesSz cx="6858000" cy="9144000"/>
@@ -2940,11 +2956,7 @@
             </a:r>
             <a:r>
               <a:rPr lang="zh-CN" altLang="en-US"/>
-              <a:t>（复制</a:t>
-            </a:r>
-            <a:r>
-              <a:rPr lang="zh-CN" altLang="en-US"/>
-              <a:t>）</a:t>
+              <a:t>（复制）</a:t>
             </a:r>
             <a:endParaRPr lang="zh-CN" altLang="en-US"/>
           </a:p>
@@ -2955,7 +2967,469 @@
             </a:r>
             <a:r>
               <a:rPr lang="zh-CN" altLang="en-US"/>
-              <a:t>（粘贴</a:t>
+              <a:t>（粘贴）</a:t>
+            </a:r>
+            <a:endParaRPr lang="zh-CN" altLang="en-US"/>
+          </a:p>
+        </p:txBody>
+      </p:sp>
+    </p:spTree>
+  </p:cSld>
+  <p:clrMapOvr>
+    <a:masterClrMapping/>
+  </p:clrMapOvr>
+</p:sld>
+</file>
+
+<file path=ppt/slides/slide11.xml><?xml version="1.0" encoding="utf-8"?>
+<p:sld xmlns:a="http://schemas.openxmlformats.org/drawingml/2006/main" xmlns:r="http://schemas.openxmlformats.org/officeDocument/2006/relationships" xmlns:p="http://schemas.openxmlformats.org/presentationml/2006/main">
+  <p:cSld>
+    <p:spTree>
+      <p:nvGrpSpPr>
+        <p:cNvPr id="1" name=""/>
+        <p:cNvGrpSpPr/>
+        <p:nvPr/>
+      </p:nvGrpSpPr>
+      <p:grpSpPr/>
+      <p:sp>
+        <p:nvSpPr>
+          <p:cNvPr id="2" name="标题 1"/>
+          <p:cNvSpPr>
+            <a:spLocks noGrp="1"/>
+          </p:cNvSpPr>
+          <p:nvPr>
+            <p:ph type="title"/>
+          </p:nvPr>
+        </p:nvSpPr>
+        <p:spPr/>
+        <p:txBody>
+          <a:bodyPr/>
+          <a:p>
+            <a:r>
+              <a:rPr lang="zh-CN" altLang="en-US"/>
+              <a:t>第二部分</a:t>
+            </a:r>
+            <a:endParaRPr lang="zh-CN" altLang="en-US"/>
+          </a:p>
+        </p:txBody>
+      </p:sp>
+      <p:sp>
+        <p:nvSpPr>
+          <p:cNvPr id="3" name="内容占位符 2"/>
+          <p:cNvSpPr>
+            <a:spLocks noGrp="1"/>
+          </p:cNvSpPr>
+          <p:nvPr>
+            <p:ph idx="1"/>
+          </p:nvPr>
+        </p:nvSpPr>
+        <p:spPr/>
+        <p:txBody>
+          <a:bodyPr/>
+          <a:p>
+            <a:r>
+              <a:rPr lang="en-US" altLang="zh-CN"/>
+              <a:t>1.input ,</a:t>
+            </a:r>
+            <a:r>
+              <a:rPr lang="zh-CN" altLang="en-US"/>
+              <a:t>输入框</a:t>
+            </a:r>
+            <a:endParaRPr lang="zh-CN" altLang="en-US"/>
+          </a:p>
+          <a:p>
+            <a:r>
+              <a:rPr lang="en-US" altLang="zh-CN"/>
+              <a:t>2.input  type</a:t>
+            </a:r>
+            <a:r>
+              <a:rPr lang="zh-CN" altLang="en-US"/>
+              <a:t>属性</a:t>
+            </a:r>
+            <a:endParaRPr lang="zh-CN" altLang="en-US"/>
+          </a:p>
+          <a:p>
+            <a:r>
+              <a:rPr lang="en-US" altLang="zh-CN"/>
+              <a:t>3.div  </a:t>
+            </a:r>
+            <a:r>
+              <a:rPr lang="zh-CN" altLang="en-US"/>
+              <a:t>类似于房子的骨架。</a:t>
+            </a:r>
+            <a:endParaRPr lang="zh-CN" altLang="en-US"/>
+          </a:p>
+          <a:p>
+            <a:endParaRPr lang="zh-CN" altLang="en-US"/>
+          </a:p>
+          <a:p>
+            <a:r>
+              <a:rPr lang="en-US" altLang="zh-CN"/>
+              <a:t>border:1px solid red;</a:t>
+            </a:r>
+            <a:endParaRPr lang="en-US" altLang="zh-CN"/>
+          </a:p>
+          <a:p>
+            <a:endParaRPr lang="en-US" altLang="zh-CN"/>
+          </a:p>
+          <a:p>
+            <a:endParaRPr lang="en-US" altLang="zh-CN"/>
+          </a:p>
+          <a:p>
+            <a:r>
+              <a:rPr lang="en-US" altLang="zh-CN"/>
+              <a:t>input   type=”text”</a:t>
+            </a:r>
+            <a:endParaRPr lang="en-US" altLang="zh-CN"/>
+          </a:p>
+          <a:p>
+            <a:endParaRPr lang="en-US" altLang="zh-CN"/>
+          </a:p>
+        </p:txBody>
+      </p:sp>
+      <p:pic>
+        <p:nvPicPr>
+          <p:cNvPr id="4" name="图片 3"/>
+          <p:cNvPicPr>
+            <a:picLocks noChangeAspect="1"/>
+          </p:cNvPicPr>
+          <p:nvPr/>
+        </p:nvPicPr>
+        <p:blipFill>
+          <a:blip r:embed="rId1"/>
+          <a:stretch>
+            <a:fillRect/>
+          </a:stretch>
+        </p:blipFill>
+        <p:spPr>
+          <a:xfrm>
+            <a:off x="3822065" y="1523365"/>
+            <a:ext cx="6971665" cy="1019175"/>
+          </a:xfrm>
+          <a:prstGeom prst="rect">
+            <a:avLst/>
+          </a:prstGeom>
+        </p:spPr>
+      </p:pic>
+      <p:pic>
+        <p:nvPicPr>
+          <p:cNvPr id="5" name="图片 4"/>
+          <p:cNvPicPr>
+            <a:picLocks noChangeAspect="1"/>
+          </p:cNvPicPr>
+          <p:nvPr/>
+        </p:nvPicPr>
+        <p:blipFill>
+          <a:blip r:embed="rId2"/>
+          <a:stretch>
+            <a:fillRect/>
+          </a:stretch>
+        </p:blipFill>
+        <p:spPr>
+          <a:xfrm>
+            <a:off x="6044565" y="3724275"/>
+            <a:ext cx="1914525" cy="952500"/>
+          </a:xfrm>
+          <a:prstGeom prst="rect">
+            <a:avLst/>
+          </a:prstGeom>
+        </p:spPr>
+      </p:pic>
+      <p:pic>
+        <p:nvPicPr>
+          <p:cNvPr id="6" name="图片 5"/>
+          <p:cNvPicPr>
+            <a:picLocks noChangeAspect="1"/>
+          </p:cNvPicPr>
+          <p:nvPr/>
+        </p:nvPicPr>
+        <p:blipFill>
+          <a:blip r:embed="rId3"/>
+          <a:stretch>
+            <a:fillRect/>
+          </a:stretch>
+        </p:blipFill>
+        <p:spPr>
+          <a:xfrm>
+            <a:off x="4333875" y="4794885"/>
+            <a:ext cx="5752465" cy="647700"/>
+          </a:xfrm>
+          <a:prstGeom prst="rect">
+            <a:avLst/>
+          </a:prstGeom>
+        </p:spPr>
+      </p:pic>
+    </p:spTree>
+  </p:cSld>
+  <p:clrMapOvr>
+    <a:masterClrMapping/>
+  </p:clrMapOvr>
+</p:sld>
+</file>
+
+<file path=ppt/slides/slide12.xml><?xml version="1.0" encoding="utf-8"?>
+<p:sld xmlns:a="http://schemas.openxmlformats.org/drawingml/2006/main" xmlns:r="http://schemas.openxmlformats.org/officeDocument/2006/relationships" xmlns:p="http://schemas.openxmlformats.org/presentationml/2006/main">
+  <p:cSld>
+    <p:spTree>
+      <p:nvGrpSpPr>
+        <p:cNvPr id="1" name=""/>
+        <p:cNvGrpSpPr/>
+        <p:nvPr/>
+      </p:nvGrpSpPr>
+      <p:grpSpPr/>
+      <p:sp>
+        <p:nvSpPr>
+          <p:cNvPr id="2" name="标题 1"/>
+          <p:cNvSpPr>
+            <a:spLocks noGrp="1"/>
+          </p:cNvSpPr>
+          <p:nvPr>
+            <p:ph type="title"/>
+          </p:nvPr>
+        </p:nvSpPr>
+        <p:spPr/>
+        <p:txBody>
+          <a:bodyPr/>
+          <a:p>
+            <a:r>
+              <a:rPr lang="en-US" altLang="zh-CN"/>
+              <a:t>input   type=button  </a:t>
+            </a:r>
+            <a:endParaRPr lang="en-US" altLang="zh-CN"/>
+          </a:p>
+        </p:txBody>
+      </p:sp>
+      <p:pic>
+        <p:nvPicPr>
+          <p:cNvPr id="4" name="内容占位符 3"/>
+          <p:cNvPicPr>
+            <a:picLocks noChangeAspect="1"/>
+          </p:cNvPicPr>
+          <p:nvPr>
+            <p:ph idx="1"/>
+          </p:nvPr>
+        </p:nvPicPr>
+        <p:blipFill>
+          <a:blip r:embed="rId1"/>
+          <a:stretch>
+            <a:fillRect/>
+          </a:stretch>
+        </p:blipFill>
+        <p:spPr>
+          <a:xfrm>
+            <a:off x="1283970" y="2101215"/>
+            <a:ext cx="8715375" cy="1666875"/>
+          </a:xfrm>
+          <a:prstGeom prst="rect">
+            <a:avLst/>
+          </a:prstGeom>
+        </p:spPr>
+      </p:pic>
+      <p:sp>
+        <p:nvSpPr>
+          <p:cNvPr id="5" name="文本框 4"/>
+          <p:cNvSpPr txBox="1"/>
+          <p:nvPr/>
+        </p:nvSpPr>
+        <p:spPr>
+          <a:xfrm>
+            <a:off x="1136015" y="4102100"/>
+            <a:ext cx="7935595" cy="368300"/>
+          </a:xfrm>
+          <a:prstGeom prst="rect">
+            <a:avLst/>
+          </a:prstGeom>
+          <a:noFill/>
+        </p:spPr>
+        <p:txBody>
+          <a:bodyPr wrap="square" rtlCol="0">
+            <a:spAutoFit/>
+          </a:bodyPr>
+          <a:p>
+            <a:r>
+              <a:rPr lang="en-US" altLang="zh-CN"/>
+              <a:t>width</a:t>
+            </a:r>
+            <a:r>
+              <a:rPr lang="zh-CN" altLang="en-US"/>
+              <a:t>：宽度 ；  </a:t>
+            </a:r>
+            <a:r>
+              <a:rPr lang="en-US" altLang="zh-CN"/>
+              <a:t>height</a:t>
+            </a:r>
+            <a:r>
+              <a:rPr lang="zh-CN" altLang="en-US"/>
+              <a:t>：高度；</a:t>
+            </a:r>
+            <a:r>
+              <a:rPr lang="en-US" altLang="zh-CN"/>
+              <a:t>background</a:t>
+            </a:r>
+            <a:r>
+              <a:rPr lang="zh-CN" altLang="en-US"/>
+              <a:t>：背景颜色</a:t>
+            </a:r>
+            <a:endParaRPr lang="zh-CN" altLang="en-US"/>
+          </a:p>
+        </p:txBody>
+      </p:sp>
+    </p:spTree>
+  </p:cSld>
+  <p:clrMapOvr>
+    <a:masterClrMapping/>
+  </p:clrMapOvr>
+</p:sld>
+</file>
+
+<file path=ppt/slides/slide13.xml><?xml version="1.0" encoding="utf-8"?>
+<p:sld xmlns:a="http://schemas.openxmlformats.org/drawingml/2006/main" xmlns:r="http://schemas.openxmlformats.org/officeDocument/2006/relationships" xmlns:p="http://schemas.openxmlformats.org/presentationml/2006/main">
+  <p:cSld>
+    <p:spTree>
+      <p:nvGrpSpPr>
+        <p:cNvPr id="1" name=""/>
+        <p:cNvGrpSpPr/>
+        <p:nvPr/>
+      </p:nvGrpSpPr>
+      <p:grpSpPr/>
+      <p:sp>
+        <p:nvSpPr>
+          <p:cNvPr id="2" name="标题 1"/>
+          <p:cNvSpPr>
+            <a:spLocks noGrp="1"/>
+          </p:cNvSpPr>
+          <p:nvPr>
+            <p:ph type="title"/>
+          </p:nvPr>
+        </p:nvSpPr>
+        <p:spPr/>
+        <p:txBody>
+          <a:bodyPr/>
+          <a:p>
+            <a:r>
+              <a:rPr lang="zh-CN" altLang="en-US"/>
+              <a:t>去掉边框</a:t>
+            </a:r>
+            <a:endParaRPr lang="zh-CN" altLang="en-US"/>
+          </a:p>
+        </p:txBody>
+      </p:sp>
+      <p:pic>
+        <p:nvPicPr>
+          <p:cNvPr id="4" name="内容占位符 3"/>
+          <p:cNvPicPr>
+            <a:picLocks noChangeAspect="1"/>
+          </p:cNvPicPr>
+          <p:nvPr>
+            <p:ph idx="1"/>
+          </p:nvPr>
+        </p:nvPicPr>
+        <p:blipFill>
+          <a:blip r:embed="rId1"/>
+          <a:stretch>
+            <a:fillRect/>
+          </a:stretch>
+        </p:blipFill>
+        <p:spPr>
+          <a:xfrm>
+            <a:off x="5484495" y="3115310"/>
+            <a:ext cx="4001770" cy="2736215"/>
+          </a:xfrm>
+          <a:prstGeom prst="rect">
+            <a:avLst/>
+          </a:prstGeom>
+        </p:spPr>
+      </p:pic>
+      <p:sp>
+        <p:nvSpPr>
+          <p:cNvPr id="5" name="文本框 4"/>
+          <p:cNvSpPr txBox="1"/>
+          <p:nvPr/>
+        </p:nvSpPr>
+        <p:spPr>
+          <a:xfrm>
+            <a:off x="1368425" y="3012440"/>
+            <a:ext cx="2669540" cy="642620"/>
+          </a:xfrm>
+          <a:prstGeom prst="rect">
+            <a:avLst/>
+          </a:prstGeom>
+          <a:noFill/>
+        </p:spPr>
+        <p:txBody>
+          <a:bodyPr wrap="square" rtlCol="0">
+            <a:spAutoFit/>
+          </a:bodyPr>
+          <a:p>
+            <a:r>
+              <a:rPr lang="en-US" altLang="zh-CN"/>
+              <a:t>border</a:t>
+            </a:r>
+            <a:r>
+              <a:rPr lang="zh-CN" altLang="en-US"/>
+              <a:t>：</a:t>
+            </a:r>
+            <a:r>
+              <a:rPr lang="en-US" altLang="zh-CN"/>
+              <a:t>none</a:t>
+            </a:r>
+            <a:r>
+              <a:rPr lang="zh-CN" altLang="en-US"/>
+              <a:t>；</a:t>
+            </a:r>
+            <a:endParaRPr lang="zh-CN" altLang="en-US"/>
+          </a:p>
+          <a:p>
+            <a:r>
+              <a:rPr lang="zh-CN" altLang="en-US"/>
+              <a:t>  </a:t>
+            </a:r>
+            <a:r>
+              <a:rPr lang="en-US" altLang="zh-CN"/>
+              <a:t>none</a:t>
+            </a:r>
+            <a:r>
+              <a:rPr lang="zh-CN" altLang="en-US"/>
+              <a:t>是没有的意思</a:t>
+            </a:r>
+            <a:endParaRPr lang="zh-CN" altLang="en-US"/>
+          </a:p>
+        </p:txBody>
+      </p:sp>
+      <p:sp>
+        <p:nvSpPr>
+          <p:cNvPr id="6" name="文本框 5"/>
+          <p:cNvSpPr txBox="1"/>
+          <p:nvPr/>
+        </p:nvSpPr>
+        <p:spPr>
+          <a:xfrm>
+            <a:off x="1111250" y="3893820"/>
+            <a:ext cx="3134995" cy="368300"/>
+          </a:xfrm>
+          <a:prstGeom prst="rect">
+            <a:avLst/>
+          </a:prstGeom>
+          <a:noFill/>
+        </p:spPr>
+        <p:txBody>
+          <a:bodyPr wrap="square" rtlCol="0">
+            <a:spAutoFit/>
+          </a:bodyPr>
+          <a:p>
+            <a:r>
+              <a:rPr lang="en-US" altLang="zh-CN"/>
+              <a:t>css</a:t>
+            </a:r>
+            <a:r>
+              <a:rPr lang="zh-CN" altLang="en-US"/>
+              <a:t>定义规则是（</a:t>
+            </a:r>
+            <a:r>
+              <a:rPr lang="zh-CN" altLang="en-US">
+                <a:sym typeface="+mn-ea"/>
+              </a:rPr>
+              <a:t>属性：值；</a:t>
             </a:r>
             <a:r>
               <a:rPr lang="zh-CN" altLang="en-US"/>
@@ -2965,6 +3439,569 @@
           </a:p>
         </p:txBody>
       </p:sp>
+    </p:spTree>
+  </p:cSld>
+  <p:clrMapOvr>
+    <a:masterClrMapping/>
+  </p:clrMapOvr>
+</p:sld>
+</file>
+
+<file path=ppt/slides/slide14.xml><?xml version="1.0" encoding="utf-8"?>
+<p:sld xmlns:a="http://schemas.openxmlformats.org/drawingml/2006/main" xmlns:r="http://schemas.openxmlformats.org/officeDocument/2006/relationships" xmlns:p="http://schemas.openxmlformats.org/presentationml/2006/main">
+  <p:cSld>
+    <p:spTree>
+      <p:nvGrpSpPr>
+        <p:cNvPr id="1" name=""/>
+        <p:cNvGrpSpPr/>
+        <p:nvPr/>
+      </p:nvGrpSpPr>
+      <p:grpSpPr/>
+      <p:sp>
+        <p:nvSpPr>
+          <p:cNvPr id="2" name="标题 1"/>
+          <p:cNvSpPr>
+            <a:spLocks noGrp="1"/>
+          </p:cNvSpPr>
+          <p:nvPr>
+            <p:ph type="title"/>
+          </p:nvPr>
+        </p:nvSpPr>
+        <p:spPr/>
+        <p:txBody>
+          <a:bodyPr/>
+          <a:p>
+            <a:r>
+              <a:rPr lang="en-US" altLang="zh-CN"/>
+              <a:t>color</a:t>
+            </a:r>
+            <a:r>
+              <a:rPr lang="zh-CN" altLang="en-US"/>
+              <a:t>颜色</a:t>
+            </a:r>
+            <a:endParaRPr lang="zh-CN" altLang="en-US"/>
+          </a:p>
+        </p:txBody>
+      </p:sp>
+      <p:pic>
+        <p:nvPicPr>
+          <p:cNvPr id="4" name="内容占位符 3"/>
+          <p:cNvPicPr>
+            <a:picLocks noChangeAspect="1"/>
+          </p:cNvPicPr>
+          <p:nvPr>
+            <p:ph idx="1"/>
+          </p:nvPr>
+        </p:nvPicPr>
+        <p:blipFill>
+          <a:blip r:embed="rId1"/>
+          <a:stretch>
+            <a:fillRect/>
+          </a:stretch>
+        </p:blipFill>
+        <p:spPr>
+          <a:xfrm>
+            <a:off x="5062855" y="3084830"/>
+            <a:ext cx="4243070" cy="2813050"/>
+          </a:xfrm>
+          <a:prstGeom prst="rect">
+            <a:avLst/>
+          </a:prstGeom>
+        </p:spPr>
+      </p:pic>
+      <p:sp>
+        <p:nvSpPr>
+          <p:cNvPr id="5" name="文本框 4"/>
+          <p:cNvSpPr txBox="1"/>
+          <p:nvPr/>
+        </p:nvSpPr>
+        <p:spPr>
+          <a:xfrm>
+            <a:off x="854075" y="3134360"/>
+            <a:ext cx="3294380" cy="916940"/>
+          </a:xfrm>
+          <a:prstGeom prst="rect">
+            <a:avLst/>
+          </a:prstGeom>
+          <a:noFill/>
+        </p:spPr>
+        <p:txBody>
+          <a:bodyPr wrap="square" rtlCol="0">
+            <a:spAutoFit/>
+          </a:bodyPr>
+          <a:p>
+            <a:r>
+              <a:rPr lang="en-US" altLang="zh-CN"/>
+              <a:t>color</a:t>
+            </a:r>
+            <a:r>
+              <a:rPr lang="zh-CN" altLang="en-US"/>
+              <a:t>是定义文本的颜色</a:t>
+            </a:r>
+            <a:r>
+              <a:rPr lang="en-US" altLang="zh-CN"/>
+              <a:t>color</a:t>
+            </a:r>
+            <a:r>
+              <a:rPr lang="zh-CN" altLang="en-US"/>
+              <a:t>：</a:t>
+            </a:r>
+            <a:r>
+              <a:rPr lang="en-US" altLang="zh-CN"/>
+              <a:t>#fff</a:t>
+            </a:r>
+            <a:r>
+              <a:rPr lang="zh-CN" altLang="en-US"/>
+              <a:t>或者</a:t>
+            </a:r>
+            <a:r>
+              <a:rPr lang="en-US" altLang="zh-CN"/>
+              <a:t>whiter</a:t>
+            </a:r>
+            <a:r>
+              <a:rPr lang="zh-CN" altLang="en-US"/>
+              <a:t>定义字体文本为白色</a:t>
+            </a:r>
+            <a:endParaRPr lang="zh-CN" altLang="en-US"/>
+          </a:p>
+        </p:txBody>
+      </p:sp>
+      <p:pic>
+        <p:nvPicPr>
+          <p:cNvPr id="6" name="图片 5"/>
+          <p:cNvPicPr>
+            <a:picLocks noChangeAspect="1"/>
+          </p:cNvPicPr>
+          <p:nvPr/>
+        </p:nvPicPr>
+        <p:blipFill>
+          <a:blip r:embed="rId2"/>
+          <a:stretch>
+            <a:fillRect/>
+          </a:stretch>
+        </p:blipFill>
+        <p:spPr>
+          <a:xfrm>
+            <a:off x="5979160" y="518795"/>
+            <a:ext cx="2780665" cy="2047875"/>
+          </a:xfrm>
+          <a:prstGeom prst="rect">
+            <a:avLst/>
+          </a:prstGeom>
+        </p:spPr>
+      </p:pic>
+    </p:spTree>
+  </p:cSld>
+  <p:clrMapOvr>
+    <a:masterClrMapping/>
+  </p:clrMapOvr>
+</p:sld>
+</file>
+
+<file path=ppt/slides/slide15.xml><?xml version="1.0" encoding="utf-8"?>
+<p:sld xmlns:a="http://schemas.openxmlformats.org/drawingml/2006/main" xmlns:r="http://schemas.openxmlformats.org/officeDocument/2006/relationships" xmlns:p="http://schemas.openxmlformats.org/presentationml/2006/main">
+  <p:cSld>
+    <p:spTree>
+      <p:nvGrpSpPr>
+        <p:cNvPr id="1" name=""/>
+        <p:cNvGrpSpPr/>
+        <p:nvPr/>
+      </p:nvGrpSpPr>
+      <p:grpSpPr/>
+      <p:sp>
+        <p:nvSpPr>
+          <p:cNvPr id="2" name="标题 1"/>
+          <p:cNvSpPr>
+            <a:spLocks noGrp="1"/>
+          </p:cNvSpPr>
+          <p:nvPr>
+            <p:ph type="title"/>
+          </p:nvPr>
+        </p:nvSpPr>
+        <p:spPr/>
+        <p:txBody>
+          <a:bodyPr/>
+          <a:p>
+            <a:r>
+              <a:rPr lang="zh-CN" altLang="en-US"/>
+              <a:t>怎么打开调试工具</a:t>
+            </a:r>
+            <a:endParaRPr lang="zh-CN" altLang="en-US"/>
+          </a:p>
+        </p:txBody>
+      </p:sp>
+      <p:pic>
+        <p:nvPicPr>
+          <p:cNvPr id="4" name="内容占位符 3"/>
+          <p:cNvPicPr>
+            <a:picLocks noChangeAspect="1"/>
+          </p:cNvPicPr>
+          <p:nvPr>
+            <p:ph idx="1"/>
+          </p:nvPr>
+        </p:nvPicPr>
+        <p:blipFill>
+          <a:blip r:embed="rId1"/>
+          <a:stretch>
+            <a:fillRect/>
+          </a:stretch>
+        </p:blipFill>
+        <p:spPr>
+          <a:xfrm>
+            <a:off x="1176655" y="2139315"/>
+            <a:ext cx="7046595" cy="4109720"/>
+          </a:xfrm>
+          <a:prstGeom prst="rect">
+            <a:avLst/>
+          </a:prstGeom>
+        </p:spPr>
+      </p:pic>
+      <p:pic>
+        <p:nvPicPr>
+          <p:cNvPr id="5" name="图片 4"/>
+          <p:cNvPicPr>
+            <a:picLocks noChangeAspect="1"/>
+          </p:cNvPicPr>
+          <p:nvPr/>
+        </p:nvPicPr>
+        <p:blipFill>
+          <a:blip r:embed="rId2"/>
+          <a:stretch>
+            <a:fillRect/>
+          </a:stretch>
+        </p:blipFill>
+        <p:spPr>
+          <a:xfrm>
+            <a:off x="9260205" y="2359660"/>
+            <a:ext cx="1019175" cy="571500"/>
+          </a:xfrm>
+          <a:prstGeom prst="rect">
+            <a:avLst/>
+          </a:prstGeom>
+        </p:spPr>
+      </p:pic>
+    </p:spTree>
+  </p:cSld>
+  <p:clrMapOvr>
+    <a:masterClrMapping/>
+  </p:clrMapOvr>
+</p:sld>
+</file>
+
+<file path=ppt/slides/slide16.xml><?xml version="1.0" encoding="utf-8"?>
+<p:sld xmlns:a="http://schemas.openxmlformats.org/drawingml/2006/main" xmlns:r="http://schemas.openxmlformats.org/officeDocument/2006/relationships" xmlns:p="http://schemas.openxmlformats.org/presentationml/2006/main">
+  <p:cSld>
+    <p:spTree>
+      <p:nvGrpSpPr>
+        <p:cNvPr id="1" name=""/>
+        <p:cNvGrpSpPr/>
+        <p:nvPr/>
+      </p:nvGrpSpPr>
+      <p:grpSpPr/>
+      <p:sp>
+        <p:nvSpPr>
+          <p:cNvPr id="2" name="标题 1"/>
+          <p:cNvSpPr>
+            <a:spLocks noGrp="1"/>
+          </p:cNvSpPr>
+          <p:nvPr>
+            <p:ph type="title"/>
+          </p:nvPr>
+        </p:nvSpPr>
+        <p:spPr/>
+        <p:txBody>
+          <a:bodyPr/>
+          <a:p>
+            <a:r>
+              <a:rPr lang="en-US" altLang="zh-CN"/>
+              <a:t>ctrl+d  </a:t>
+            </a:r>
+            <a:r>
+              <a:rPr lang="zh-CN" altLang="en-US"/>
+              <a:t>复制更多的元素</a:t>
+            </a:r>
+            <a:endParaRPr lang="zh-CN" altLang="en-US"/>
+          </a:p>
+        </p:txBody>
+      </p:sp>
+      <p:pic>
+        <p:nvPicPr>
+          <p:cNvPr id="4" name="内容占位符 3"/>
+          <p:cNvPicPr>
+            <a:picLocks noChangeAspect="1"/>
+          </p:cNvPicPr>
+          <p:nvPr>
+            <p:ph idx="1"/>
+          </p:nvPr>
+        </p:nvPicPr>
+        <p:blipFill>
+          <a:blip r:embed="rId1"/>
+          <a:stretch>
+            <a:fillRect/>
+          </a:stretch>
+        </p:blipFill>
+        <p:spPr>
+          <a:xfrm>
+            <a:off x="4485005" y="1957705"/>
+            <a:ext cx="7360920" cy="4012565"/>
+          </a:xfrm>
+          <a:prstGeom prst="rect">
+            <a:avLst/>
+          </a:prstGeom>
+        </p:spPr>
+      </p:pic>
+    </p:spTree>
+  </p:cSld>
+  <p:clrMapOvr>
+    <a:masterClrMapping/>
+  </p:clrMapOvr>
+</p:sld>
+</file>
+
+<file path=ppt/slides/slide17.xml><?xml version="1.0" encoding="utf-8"?>
+<p:sld xmlns:a="http://schemas.openxmlformats.org/drawingml/2006/main" xmlns:r="http://schemas.openxmlformats.org/officeDocument/2006/relationships" xmlns:p="http://schemas.openxmlformats.org/presentationml/2006/main">
+  <p:cSld>
+    <p:spTree>
+      <p:nvGrpSpPr>
+        <p:cNvPr id="1" name=""/>
+        <p:cNvGrpSpPr/>
+        <p:nvPr/>
+      </p:nvGrpSpPr>
+      <p:grpSpPr/>
+      <p:sp>
+        <p:nvSpPr>
+          <p:cNvPr id="2" name="标题 1"/>
+          <p:cNvSpPr>
+            <a:spLocks noGrp="1"/>
+          </p:cNvSpPr>
+          <p:nvPr>
+            <p:ph type="title"/>
+          </p:nvPr>
+        </p:nvSpPr>
+        <p:spPr>
+          <a:xfrm>
+            <a:off x="825500" y="365125"/>
+            <a:ext cx="10515600" cy="1325563"/>
+          </a:xfrm>
+        </p:spPr>
+        <p:txBody>
+          <a:bodyPr/>
+          <a:p>
+            <a:r>
+              <a:rPr lang="zh-CN" altLang="en-US"/>
+              <a:t>去掉点</a:t>
+            </a:r>
+            <a:endParaRPr lang="zh-CN" altLang="en-US"/>
+          </a:p>
+        </p:txBody>
+      </p:sp>
+      <p:pic>
+        <p:nvPicPr>
+          <p:cNvPr id="4" name="内容占位符 3"/>
+          <p:cNvPicPr>
+            <a:picLocks noChangeAspect="1"/>
+          </p:cNvPicPr>
+          <p:nvPr>
+            <p:ph idx="1"/>
+          </p:nvPr>
+        </p:nvPicPr>
+        <p:blipFill>
+          <a:blip r:embed="rId1"/>
+          <a:stretch>
+            <a:fillRect/>
+          </a:stretch>
+        </p:blipFill>
+        <p:spPr>
+          <a:xfrm>
+            <a:off x="2197735" y="3034030"/>
+            <a:ext cx="7820025" cy="1933575"/>
+          </a:xfrm>
+          <a:prstGeom prst="rect">
+            <a:avLst/>
+          </a:prstGeom>
+        </p:spPr>
+      </p:pic>
+      <p:sp>
+        <p:nvSpPr>
+          <p:cNvPr id="5" name="文本框 4"/>
+          <p:cNvSpPr txBox="1"/>
+          <p:nvPr/>
+        </p:nvSpPr>
+        <p:spPr>
+          <a:xfrm>
+            <a:off x="768350" y="2007870"/>
+            <a:ext cx="4090670" cy="368300"/>
+          </a:xfrm>
+          <a:prstGeom prst="rect">
+            <a:avLst/>
+          </a:prstGeom>
+          <a:noFill/>
+        </p:spPr>
+        <p:txBody>
+          <a:bodyPr wrap="square" rtlCol="0">
+            <a:spAutoFit/>
+          </a:bodyPr>
+          <a:p>
+            <a:r>
+              <a:rPr lang="en-US" altLang="zh-CN"/>
+              <a:t>list-style</a:t>
+            </a:r>
+            <a:r>
+              <a:rPr lang="zh-CN" altLang="en-US"/>
+              <a:t>：</a:t>
+            </a:r>
+            <a:r>
+              <a:rPr lang="en-US" altLang="zh-CN"/>
+              <a:t>none</a:t>
+            </a:r>
+            <a:r>
+              <a:rPr lang="zh-CN" altLang="en-US"/>
+              <a:t>；</a:t>
+            </a:r>
+            <a:endParaRPr lang="zh-CN" altLang="en-US"/>
+          </a:p>
+        </p:txBody>
+      </p:sp>
+    </p:spTree>
+  </p:cSld>
+  <p:clrMapOvr>
+    <a:masterClrMapping/>
+  </p:clrMapOvr>
+</p:sld>
+</file>
+
+<file path=ppt/slides/slide18.xml><?xml version="1.0" encoding="utf-8"?>
+<p:sld xmlns:a="http://schemas.openxmlformats.org/drawingml/2006/main" xmlns:r="http://schemas.openxmlformats.org/officeDocument/2006/relationships" xmlns:p="http://schemas.openxmlformats.org/presentationml/2006/main">
+  <p:cSld>
+    <p:spTree>
+      <p:nvGrpSpPr>
+        <p:cNvPr id="1" name=""/>
+        <p:cNvGrpSpPr/>
+        <p:nvPr/>
+      </p:nvGrpSpPr>
+      <p:grpSpPr/>
+      <p:sp>
+        <p:nvSpPr>
+          <p:cNvPr id="2" name="标题 1"/>
+          <p:cNvSpPr>
+            <a:spLocks noGrp="1"/>
+          </p:cNvSpPr>
+          <p:nvPr>
+            <p:ph type="title"/>
+          </p:nvPr>
+        </p:nvSpPr>
+        <p:spPr/>
+        <p:txBody>
+          <a:bodyPr/>
+          <a:p>
+            <a:r>
+              <a:rPr lang="en-US" altLang="zh-CN"/>
+              <a:t>ul  li</a:t>
+            </a:r>
+            <a:endParaRPr lang="en-US" altLang="zh-CN"/>
+          </a:p>
+        </p:txBody>
+      </p:sp>
+      <p:pic>
+        <p:nvPicPr>
+          <p:cNvPr id="4" name="内容占位符 3"/>
+          <p:cNvPicPr>
+            <a:picLocks noChangeAspect="1"/>
+          </p:cNvPicPr>
+          <p:nvPr>
+            <p:ph idx="1"/>
+          </p:nvPr>
+        </p:nvPicPr>
+        <p:blipFill>
+          <a:blip r:embed="rId1"/>
+          <a:stretch>
+            <a:fillRect/>
+          </a:stretch>
+        </p:blipFill>
+        <p:spPr>
+          <a:xfrm>
+            <a:off x="1436370" y="1825625"/>
+            <a:ext cx="9317990" cy="4351655"/>
+          </a:xfrm>
+          <a:prstGeom prst="rect">
+            <a:avLst/>
+          </a:prstGeom>
+        </p:spPr>
+      </p:pic>
+    </p:spTree>
+  </p:cSld>
+  <p:clrMapOvr>
+    <a:masterClrMapping/>
+  </p:clrMapOvr>
+</p:sld>
+</file>
+
+<file path=ppt/slides/slide19.xml><?xml version="1.0" encoding="utf-8"?>
+<p:sld xmlns:a="http://schemas.openxmlformats.org/drawingml/2006/main" xmlns:r="http://schemas.openxmlformats.org/officeDocument/2006/relationships" xmlns:p="http://schemas.openxmlformats.org/presentationml/2006/main">
+  <p:cSld>
+    <p:spTree>
+      <p:nvGrpSpPr>
+        <p:cNvPr id="1" name=""/>
+        <p:cNvGrpSpPr/>
+        <p:nvPr/>
+      </p:nvGrpSpPr>
+      <p:grpSpPr/>
+      <p:sp>
+        <p:nvSpPr>
+          <p:cNvPr id="2" name="标题 1"/>
+          <p:cNvSpPr>
+            <a:spLocks noGrp="1"/>
+          </p:cNvSpPr>
+          <p:nvPr>
+            <p:ph type="title"/>
+          </p:nvPr>
+        </p:nvSpPr>
+        <p:spPr/>
+        <p:txBody>
+          <a:bodyPr/>
+          <a:p>
+            <a:r>
+              <a:rPr lang="zh-CN" altLang="en-US"/>
+              <a:t>直接定义</a:t>
+            </a:r>
+            <a:r>
+              <a:rPr lang="en-US" altLang="zh-CN"/>
+              <a:t>li</a:t>
+            </a:r>
+            <a:r>
+              <a:rPr lang="zh-CN" altLang="en-US"/>
+              <a:t>也可以但不规范</a:t>
+            </a:r>
+            <a:endParaRPr lang="zh-CN" altLang="en-US"/>
+          </a:p>
+        </p:txBody>
+      </p:sp>
+      <p:pic>
+        <p:nvPicPr>
+          <p:cNvPr id="4" name="内容占位符 3"/>
+          <p:cNvPicPr>
+            <a:picLocks noChangeAspect="1"/>
+          </p:cNvPicPr>
+          <p:nvPr>
+            <p:ph idx="1"/>
+          </p:nvPr>
+        </p:nvPicPr>
+        <p:blipFill>
+          <a:blip r:embed="rId1"/>
+          <a:stretch>
+            <a:fillRect/>
+          </a:stretch>
+        </p:blipFill>
+        <p:spPr>
+          <a:xfrm>
+            <a:off x="2779395" y="2497455"/>
+            <a:ext cx="4196080" cy="1915160"/>
+          </a:xfrm>
+          <a:prstGeom prst="rect">
+            <a:avLst/>
+          </a:prstGeom>
+        </p:spPr>
+      </p:pic>
     </p:spTree>
   </p:cSld>
   <p:clrMapOvr>
@@ -3053,6 +4090,704 @@
           </a:p>
         </p:txBody>
       </p:sp>
+    </p:spTree>
+  </p:cSld>
+  <p:clrMapOvr>
+    <a:masterClrMapping/>
+  </p:clrMapOvr>
+</p:sld>
+</file>
+
+<file path=ppt/slides/slide20.xml><?xml version="1.0" encoding="utf-8"?>
+<p:sld xmlns:a="http://schemas.openxmlformats.org/drawingml/2006/main" xmlns:r="http://schemas.openxmlformats.org/officeDocument/2006/relationships" xmlns:p="http://schemas.openxmlformats.org/presentationml/2006/main">
+  <p:cSld>
+    <p:spTree>
+      <p:nvGrpSpPr>
+        <p:cNvPr id="1" name=""/>
+        <p:cNvGrpSpPr/>
+        <p:nvPr/>
+      </p:nvGrpSpPr>
+      <p:grpSpPr/>
+      <p:sp>
+        <p:nvSpPr>
+          <p:cNvPr id="2" name="标题 1"/>
+          <p:cNvSpPr>
+            <a:spLocks noGrp="1"/>
+          </p:cNvSpPr>
+          <p:nvPr>
+            <p:ph type="title"/>
+          </p:nvPr>
+        </p:nvSpPr>
+        <p:spPr/>
+        <p:txBody>
+          <a:bodyPr/>
+          <a:p>
+            <a:r>
+              <a:rPr lang="zh-CN" altLang="en-US"/>
+              <a:t>去掉</a:t>
+            </a:r>
+            <a:r>
+              <a:rPr lang="en-US" altLang="zh-CN"/>
+              <a:t>a</a:t>
+            </a:r>
+            <a:r>
+              <a:rPr lang="zh-CN" altLang="en-US"/>
+              <a:t>标签下面的下划线</a:t>
+            </a:r>
+            <a:endParaRPr lang="zh-CN" altLang="en-US"/>
+          </a:p>
+        </p:txBody>
+      </p:sp>
+      <p:pic>
+        <p:nvPicPr>
+          <p:cNvPr id="4" name="内容占位符 3"/>
+          <p:cNvPicPr>
+            <a:picLocks noChangeAspect="1"/>
+          </p:cNvPicPr>
+          <p:nvPr>
+            <p:ph idx="1"/>
+          </p:nvPr>
+        </p:nvPicPr>
+        <p:blipFill>
+          <a:blip r:embed="rId1"/>
+          <a:stretch>
+            <a:fillRect/>
+          </a:stretch>
+        </p:blipFill>
+        <p:spPr>
+          <a:xfrm>
+            <a:off x="482600" y="2265680"/>
+            <a:ext cx="10515600" cy="2246630"/>
+          </a:xfrm>
+          <a:prstGeom prst="rect">
+            <a:avLst/>
+          </a:prstGeom>
+        </p:spPr>
+      </p:pic>
+      <p:sp>
+        <p:nvSpPr>
+          <p:cNvPr id="6" name="文本框 5"/>
+          <p:cNvSpPr txBox="1"/>
+          <p:nvPr/>
+        </p:nvSpPr>
+        <p:spPr>
+          <a:xfrm>
+            <a:off x="670560" y="5033010"/>
+            <a:ext cx="4923155" cy="642620"/>
+          </a:xfrm>
+          <a:prstGeom prst="rect">
+            <a:avLst/>
+          </a:prstGeom>
+          <a:noFill/>
+        </p:spPr>
+        <p:txBody>
+          <a:bodyPr wrap="square" rtlCol="0">
+            <a:spAutoFit/>
+          </a:bodyPr>
+          <a:p>
+            <a:r>
+              <a:rPr lang="en-US" altLang="zh-CN"/>
+              <a:t>text-decoration:none;</a:t>
+            </a:r>
+            <a:r>
+              <a:rPr lang="zh-CN" altLang="en-US"/>
+              <a:t>所有的属性如果你想去掉的话直接一个</a:t>
+            </a:r>
+            <a:r>
+              <a:rPr lang="en-US" altLang="zh-CN"/>
+              <a:t>none</a:t>
+            </a:r>
+            <a:r>
+              <a:rPr lang="zh-CN" altLang="en-US"/>
+              <a:t>就可以了</a:t>
+            </a:r>
+            <a:endParaRPr lang="zh-CN" altLang="en-US"/>
+          </a:p>
+        </p:txBody>
+      </p:sp>
+    </p:spTree>
+  </p:cSld>
+  <p:clrMapOvr>
+    <a:masterClrMapping/>
+  </p:clrMapOvr>
+</p:sld>
+</file>
+
+<file path=ppt/slides/slide21.xml><?xml version="1.0" encoding="utf-8"?>
+<p:sld xmlns:a="http://schemas.openxmlformats.org/drawingml/2006/main" xmlns:r="http://schemas.openxmlformats.org/officeDocument/2006/relationships" xmlns:p="http://schemas.openxmlformats.org/presentationml/2006/main">
+  <p:cSld>
+    <p:spTree>
+      <p:nvGrpSpPr>
+        <p:cNvPr id="1" name=""/>
+        <p:cNvGrpSpPr/>
+        <p:nvPr/>
+      </p:nvGrpSpPr>
+      <p:grpSpPr/>
+      <p:sp>
+        <p:nvSpPr>
+          <p:cNvPr id="2" name="标题 1"/>
+          <p:cNvSpPr>
+            <a:spLocks noGrp="1"/>
+          </p:cNvSpPr>
+          <p:nvPr>
+            <p:ph type="title"/>
+          </p:nvPr>
+        </p:nvSpPr>
+        <p:spPr/>
+        <p:txBody>
+          <a:bodyPr/>
+          <a:p>
+            <a:r>
+              <a:rPr lang="zh-CN" altLang="en-US"/>
+              <a:t>后面带大家主要做移动端的。</a:t>
+            </a:r>
+            <a:endParaRPr lang="zh-CN" altLang="en-US"/>
+          </a:p>
+        </p:txBody>
+      </p:sp>
+      <p:pic>
+        <p:nvPicPr>
+          <p:cNvPr id="4" name="内容占位符 3"/>
+          <p:cNvPicPr>
+            <a:picLocks noChangeAspect="1"/>
+          </p:cNvPicPr>
+          <p:nvPr>
+            <p:ph idx="1"/>
+          </p:nvPr>
+        </p:nvPicPr>
+        <p:blipFill>
+          <a:blip r:embed="rId1"/>
+          <a:stretch>
+            <a:fillRect/>
+          </a:stretch>
+        </p:blipFill>
+        <p:spPr>
+          <a:xfrm>
+            <a:off x="7988935" y="97790"/>
+            <a:ext cx="4114165" cy="6386195"/>
+          </a:xfrm>
+          <a:prstGeom prst="rect">
+            <a:avLst/>
+          </a:prstGeom>
+        </p:spPr>
+      </p:pic>
+    </p:spTree>
+  </p:cSld>
+  <p:clrMapOvr>
+    <a:masterClrMapping/>
+  </p:clrMapOvr>
+</p:sld>
+</file>
+
+<file path=ppt/slides/slide22.xml><?xml version="1.0" encoding="utf-8"?>
+<p:sld xmlns:a="http://schemas.openxmlformats.org/drawingml/2006/main" xmlns:r="http://schemas.openxmlformats.org/officeDocument/2006/relationships" xmlns:p="http://schemas.openxmlformats.org/presentationml/2006/main">
+  <p:cSld>
+    <p:spTree>
+      <p:nvGrpSpPr>
+        <p:cNvPr id="1" name=""/>
+        <p:cNvGrpSpPr/>
+        <p:nvPr/>
+      </p:nvGrpSpPr>
+      <p:grpSpPr/>
+      <p:sp>
+        <p:nvSpPr>
+          <p:cNvPr id="2" name="标题 1"/>
+          <p:cNvSpPr>
+            <a:spLocks noGrp="1"/>
+          </p:cNvSpPr>
+          <p:nvPr>
+            <p:ph type="title"/>
+          </p:nvPr>
+        </p:nvSpPr>
+        <p:spPr/>
+        <p:txBody>
+          <a:bodyPr/>
+          <a:p>
+            <a:r>
+              <a:rPr lang="zh-CN" altLang="en-US"/>
+              <a:t>大部分招聘都是移动端的。</a:t>
+            </a:r>
+            <a:endParaRPr lang="zh-CN" altLang="en-US"/>
+          </a:p>
+        </p:txBody>
+      </p:sp>
+      <p:pic>
+        <p:nvPicPr>
+          <p:cNvPr id="4" name="内容占位符 3"/>
+          <p:cNvPicPr>
+            <a:picLocks noChangeAspect="1"/>
+          </p:cNvPicPr>
+          <p:nvPr>
+            <p:ph idx="1"/>
+          </p:nvPr>
+        </p:nvPicPr>
+        <p:blipFill>
+          <a:blip r:embed="rId1"/>
+          <a:stretch>
+            <a:fillRect/>
+          </a:stretch>
+        </p:blipFill>
+        <p:spPr>
+          <a:xfrm>
+            <a:off x="113665" y="2855595"/>
+            <a:ext cx="11438890" cy="1089660"/>
+          </a:xfrm>
+          <a:prstGeom prst="rect">
+            <a:avLst/>
+          </a:prstGeom>
+        </p:spPr>
+      </p:pic>
+    </p:spTree>
+  </p:cSld>
+  <p:clrMapOvr>
+    <a:masterClrMapping/>
+  </p:clrMapOvr>
+</p:sld>
+</file>
+
+<file path=ppt/slides/slide23.xml><?xml version="1.0" encoding="utf-8"?>
+<p:sld xmlns:a="http://schemas.openxmlformats.org/drawingml/2006/main" xmlns:r="http://schemas.openxmlformats.org/officeDocument/2006/relationships" xmlns:p="http://schemas.openxmlformats.org/presentationml/2006/main">
+  <p:cSld>
+    <p:spTree>
+      <p:nvGrpSpPr>
+        <p:cNvPr id="1" name=""/>
+        <p:cNvGrpSpPr/>
+        <p:nvPr/>
+      </p:nvGrpSpPr>
+      <p:grpSpPr/>
+      <p:sp>
+        <p:nvSpPr>
+          <p:cNvPr id="2" name="标题 1"/>
+          <p:cNvSpPr>
+            <a:spLocks noGrp="1"/>
+          </p:cNvSpPr>
+          <p:nvPr>
+            <p:ph type="title"/>
+          </p:nvPr>
+        </p:nvSpPr>
+        <p:spPr/>
+        <p:txBody>
+          <a:bodyPr/>
+          <a:p>
+            <a:r>
+              <a:rPr lang="zh-CN" altLang="en-US"/>
+              <a:t>斜杠代表样式没有应用到</a:t>
+            </a:r>
+            <a:endParaRPr lang="zh-CN" altLang="en-US"/>
+          </a:p>
+        </p:txBody>
+      </p:sp>
+      <p:pic>
+        <p:nvPicPr>
+          <p:cNvPr id="4" name="内容占位符 3"/>
+          <p:cNvPicPr>
+            <a:picLocks noChangeAspect="1"/>
+          </p:cNvPicPr>
+          <p:nvPr>
+            <p:ph idx="1"/>
+          </p:nvPr>
+        </p:nvPicPr>
+        <p:blipFill>
+          <a:blip r:embed="rId1"/>
+          <a:stretch>
+            <a:fillRect/>
+          </a:stretch>
+        </p:blipFill>
+        <p:spPr>
+          <a:xfrm>
+            <a:off x="4914265" y="3562985"/>
+            <a:ext cx="2362200" cy="876300"/>
+          </a:xfrm>
+          <a:prstGeom prst="rect">
+            <a:avLst/>
+          </a:prstGeom>
+        </p:spPr>
+      </p:pic>
+    </p:spTree>
+  </p:cSld>
+  <p:clrMapOvr>
+    <a:masterClrMapping/>
+  </p:clrMapOvr>
+</p:sld>
+</file>
+
+<file path=ppt/slides/slide24.xml><?xml version="1.0" encoding="utf-8"?>
+<p:sld xmlns:a="http://schemas.openxmlformats.org/drawingml/2006/main" xmlns:r="http://schemas.openxmlformats.org/officeDocument/2006/relationships" xmlns:p="http://schemas.openxmlformats.org/presentationml/2006/main">
+  <p:cSld>
+    <p:spTree>
+      <p:nvGrpSpPr>
+        <p:cNvPr id="1" name=""/>
+        <p:cNvGrpSpPr/>
+        <p:nvPr/>
+      </p:nvGrpSpPr>
+      <p:grpSpPr/>
+      <p:sp>
+        <p:nvSpPr>
+          <p:cNvPr id="2" name="标题 1"/>
+          <p:cNvSpPr>
+            <a:spLocks noGrp="1"/>
+          </p:cNvSpPr>
+          <p:nvPr>
+            <p:ph type="title"/>
+          </p:nvPr>
+        </p:nvSpPr>
+        <p:spPr/>
+        <p:txBody>
+          <a:bodyPr/>
+          <a:p>
+            <a:r>
+              <a:rPr lang="zh-CN" altLang="en-US"/>
+              <a:t>文本怎么居中</a:t>
+            </a:r>
+            <a:endParaRPr lang="zh-CN" altLang="en-US"/>
+          </a:p>
+        </p:txBody>
+      </p:sp>
+      <p:sp>
+        <p:nvSpPr>
+          <p:cNvPr id="3" name="内容占位符 2"/>
+          <p:cNvSpPr>
+            <a:spLocks noGrp="1"/>
+          </p:cNvSpPr>
+          <p:nvPr>
+            <p:ph idx="1"/>
+          </p:nvPr>
+        </p:nvSpPr>
+        <p:spPr/>
+        <p:txBody>
+          <a:bodyPr/>
+          <a:p>
+            <a:r>
+              <a:rPr lang="zh-CN" altLang="en-US"/>
+              <a:t>text-align：center；左右据中</a:t>
+            </a:r>
+            <a:endParaRPr lang="zh-CN" altLang="en-US"/>
+          </a:p>
+          <a:p>
+            <a:r>
+              <a:rPr lang="en-US" altLang="zh-CN"/>
+              <a:t>height:45px  line-height:45px  </a:t>
+            </a:r>
+            <a:r>
+              <a:rPr lang="zh-CN" altLang="en-US"/>
+              <a:t>文本上下居中</a:t>
+            </a:r>
+            <a:endParaRPr lang="zh-CN" altLang="en-US"/>
+          </a:p>
+        </p:txBody>
+      </p:sp>
+    </p:spTree>
+  </p:cSld>
+  <p:clrMapOvr>
+    <a:masterClrMapping/>
+  </p:clrMapOvr>
+</p:sld>
+</file>
+
+<file path=ppt/slides/slide25.xml><?xml version="1.0" encoding="utf-8"?>
+<p:sld xmlns:a="http://schemas.openxmlformats.org/drawingml/2006/main" xmlns:r="http://schemas.openxmlformats.org/officeDocument/2006/relationships" xmlns:p="http://schemas.openxmlformats.org/presentationml/2006/main">
+  <p:cSld>
+    <p:spTree>
+      <p:nvGrpSpPr>
+        <p:cNvPr id="1" name=""/>
+        <p:cNvGrpSpPr/>
+        <p:nvPr/>
+      </p:nvGrpSpPr>
+      <p:grpSpPr/>
+      <p:sp>
+        <p:nvSpPr>
+          <p:cNvPr id="2" name="标题 1"/>
+          <p:cNvSpPr>
+            <a:spLocks noGrp="1"/>
+          </p:cNvSpPr>
+          <p:nvPr>
+            <p:ph type="title"/>
+          </p:nvPr>
+        </p:nvSpPr>
+        <p:spPr/>
+        <p:txBody>
+          <a:bodyPr/>
+          <a:p>
+            <a:r>
+              <a:rPr lang="en-US" altLang="zh-CN"/>
+              <a:t>07-13 </a:t>
+            </a:r>
+            <a:r>
+              <a:rPr lang="zh-CN" altLang="en-US"/>
+              <a:t>我建立网页</a:t>
+            </a:r>
+            <a:r>
+              <a:rPr lang="en-US" altLang="zh-CN"/>
+              <a:t>html </a:t>
+            </a:r>
+            <a:r>
+              <a:rPr lang="zh-CN" altLang="en-US"/>
+              <a:t>常用标签有些</a:t>
+            </a:r>
+            <a:endParaRPr lang="zh-CN" altLang="en-US"/>
+          </a:p>
+        </p:txBody>
+      </p:sp>
+      <p:sp>
+        <p:nvSpPr>
+          <p:cNvPr id="3" name="内容占位符 2"/>
+          <p:cNvSpPr>
+            <a:spLocks noGrp="1"/>
+          </p:cNvSpPr>
+          <p:nvPr>
+            <p:ph idx="1"/>
+          </p:nvPr>
+        </p:nvSpPr>
+        <p:spPr/>
+        <p:txBody>
+          <a:bodyPr/>
+          <a:p>
+            <a:r>
+              <a:rPr lang="en-US" altLang="zh-CN"/>
+              <a:t>1.html</a:t>
+            </a:r>
+            <a:r>
+              <a:rPr lang="zh-CN" altLang="en-US"/>
+              <a:t>标签</a:t>
+            </a:r>
+            <a:endParaRPr lang="zh-CN" altLang="en-US"/>
+          </a:p>
+          <a:p>
+            <a:r>
+              <a:rPr lang="en-US" altLang="zh-CN"/>
+              <a:t>2.body</a:t>
+            </a:r>
+            <a:r>
+              <a:rPr lang="zh-CN" altLang="en-US"/>
+              <a:t>标签</a:t>
+            </a:r>
+            <a:endParaRPr lang="zh-CN" altLang="en-US"/>
+          </a:p>
+          <a:p>
+            <a:r>
+              <a:rPr lang="en-US" altLang="zh-CN"/>
+              <a:t>3.div</a:t>
+            </a:r>
+            <a:r>
+              <a:rPr lang="zh-CN" altLang="en-US"/>
+              <a:t>标签</a:t>
+            </a:r>
+            <a:endParaRPr lang="zh-CN" altLang="en-US"/>
+          </a:p>
+          <a:p>
+            <a:r>
+              <a:rPr lang="en-US" altLang="zh-CN"/>
+              <a:t>4.h</a:t>
+            </a:r>
+            <a:r>
+              <a:rPr lang="zh-CN" altLang="en-US"/>
+              <a:t>标签  ：</a:t>
+            </a:r>
+            <a:r>
+              <a:rPr lang="en-US" altLang="zh-CN"/>
+              <a:t>h1 h2 h3 h4 h5 h6</a:t>
+            </a:r>
+            <a:endParaRPr lang="en-US" altLang="zh-CN"/>
+          </a:p>
+          <a:p>
+            <a:r>
+              <a:rPr lang="zh-CN" altLang="en-US"/>
+              <a:t>一</a:t>
+            </a:r>
+            <a:r>
+              <a:rPr lang="en-US" altLang="zh-CN"/>
+              <a:t>.</a:t>
+            </a:r>
+            <a:r>
+              <a:rPr lang="zh-CN" altLang="en-US"/>
+              <a:t>判断题</a:t>
+            </a:r>
+            <a:endParaRPr lang="zh-CN" altLang="en-US"/>
+          </a:p>
+        </p:txBody>
+      </p:sp>
+      <p:pic>
+        <p:nvPicPr>
+          <p:cNvPr id="4" name="图片 3"/>
+          <p:cNvPicPr>
+            <a:picLocks noChangeAspect="1"/>
+          </p:cNvPicPr>
+          <p:nvPr/>
+        </p:nvPicPr>
+        <p:blipFill>
+          <a:blip r:embed="rId1"/>
+          <a:stretch>
+            <a:fillRect/>
+          </a:stretch>
+        </p:blipFill>
+        <p:spPr>
+          <a:xfrm>
+            <a:off x="3686175" y="1751330"/>
+            <a:ext cx="1390650" cy="390525"/>
+          </a:xfrm>
+          <a:prstGeom prst="rect">
+            <a:avLst/>
+          </a:prstGeom>
+        </p:spPr>
+      </p:pic>
+      <p:pic>
+        <p:nvPicPr>
+          <p:cNvPr id="6" name="图片 5"/>
+          <p:cNvPicPr>
+            <a:picLocks noChangeAspect="1"/>
+          </p:cNvPicPr>
+          <p:nvPr/>
+        </p:nvPicPr>
+        <p:blipFill>
+          <a:blip r:embed="rId2"/>
+          <a:stretch>
+            <a:fillRect/>
+          </a:stretch>
+        </p:blipFill>
+        <p:spPr>
+          <a:xfrm>
+            <a:off x="3677920" y="2261235"/>
+            <a:ext cx="1381125" cy="571500"/>
+          </a:xfrm>
+          <a:prstGeom prst="rect">
+            <a:avLst/>
+          </a:prstGeom>
+        </p:spPr>
+      </p:pic>
+      <p:pic>
+        <p:nvPicPr>
+          <p:cNvPr id="7" name="图片 6"/>
+          <p:cNvPicPr>
+            <a:picLocks noChangeAspect="1"/>
+          </p:cNvPicPr>
+          <p:nvPr/>
+        </p:nvPicPr>
+        <p:blipFill>
+          <a:blip r:embed="rId3"/>
+          <a:stretch>
+            <a:fillRect/>
+          </a:stretch>
+        </p:blipFill>
+        <p:spPr>
+          <a:xfrm>
+            <a:off x="2970530" y="2837180"/>
+            <a:ext cx="2381250" cy="400050"/>
+          </a:xfrm>
+          <a:prstGeom prst="rect">
+            <a:avLst/>
+          </a:prstGeom>
+        </p:spPr>
+      </p:pic>
+      <p:pic>
+        <p:nvPicPr>
+          <p:cNvPr id="8" name="图片 7"/>
+          <p:cNvPicPr>
+            <a:picLocks noChangeAspect="1"/>
+          </p:cNvPicPr>
+          <p:nvPr/>
+        </p:nvPicPr>
+        <p:blipFill>
+          <a:blip r:embed="rId4"/>
+          <a:stretch>
+            <a:fillRect/>
+          </a:stretch>
+        </p:blipFill>
+        <p:spPr>
+          <a:xfrm>
+            <a:off x="3021965" y="3878580"/>
+            <a:ext cx="8780780" cy="2567940"/>
+          </a:xfrm>
+          <a:prstGeom prst="rect">
+            <a:avLst/>
+          </a:prstGeom>
+        </p:spPr>
+      </p:pic>
+    </p:spTree>
+  </p:cSld>
+  <p:clrMapOvr>
+    <a:masterClrMapping/>
+  </p:clrMapOvr>
+</p:sld>
+</file>
+
+<file path=ppt/slides/slide26.xml><?xml version="1.0" encoding="utf-8"?>
+<p:sld xmlns:a="http://schemas.openxmlformats.org/drawingml/2006/main" xmlns:r="http://schemas.openxmlformats.org/officeDocument/2006/relationships" xmlns:p="http://schemas.openxmlformats.org/presentationml/2006/main">
+  <p:cSld>
+    <p:spTree>
+      <p:nvGrpSpPr>
+        <p:cNvPr id="1" name=""/>
+        <p:cNvGrpSpPr/>
+        <p:nvPr/>
+      </p:nvGrpSpPr>
+      <p:grpSpPr/>
+      <p:sp>
+        <p:nvSpPr>
+          <p:cNvPr id="2" name="标题 1"/>
+          <p:cNvSpPr>
+            <a:spLocks noGrp="1"/>
+          </p:cNvSpPr>
+          <p:nvPr>
+            <p:ph type="title"/>
+          </p:nvPr>
+        </p:nvSpPr>
+        <p:spPr/>
+        <p:txBody>
+          <a:bodyPr/>
+          <a:p>
+            <a:r>
+              <a:rPr lang="zh-CN" altLang="en-US"/>
+              <a:t>标签介绍</a:t>
+            </a:r>
+            <a:endParaRPr lang="zh-CN" altLang="en-US"/>
+          </a:p>
+        </p:txBody>
+      </p:sp>
+      <p:sp>
+        <p:nvSpPr>
+          <p:cNvPr id="3" name="内容占位符 2"/>
+          <p:cNvSpPr>
+            <a:spLocks noGrp="1"/>
+          </p:cNvSpPr>
+          <p:nvPr>
+            <p:ph idx="1"/>
+          </p:nvPr>
+        </p:nvSpPr>
+        <p:spPr/>
+        <p:txBody>
+          <a:bodyPr/>
+          <a:p>
+            <a:r>
+              <a:rPr lang="en-US" altLang="zh-CN"/>
+              <a:t>p</a:t>
+            </a:r>
+            <a:endParaRPr lang="en-US" altLang="zh-CN"/>
+          </a:p>
+        </p:txBody>
+      </p:sp>
+      <p:pic>
+        <p:nvPicPr>
+          <p:cNvPr id="4" name="图片 3"/>
+          <p:cNvPicPr>
+            <a:picLocks noChangeAspect="1"/>
+          </p:cNvPicPr>
+          <p:nvPr/>
+        </p:nvPicPr>
+        <p:blipFill>
+          <a:blip r:embed="rId1"/>
+          <a:stretch>
+            <a:fillRect/>
+          </a:stretch>
+        </p:blipFill>
+        <p:spPr>
+          <a:xfrm>
+            <a:off x="2161540" y="1479550"/>
+            <a:ext cx="8799830" cy="1228725"/>
+          </a:xfrm>
+          <a:prstGeom prst="rect">
+            <a:avLst/>
+          </a:prstGeom>
+        </p:spPr>
+      </p:pic>
     </p:spTree>
   </p:cSld>
   <p:clrMapOvr>

--- a/课程/初级/html+css部分.pptx
+++ b/课程/初级/html+css部分.pptx
@@ -31,6 +31,12 @@
     <p:sldId id="280" r:id="rId26"/>
     <p:sldId id="281" r:id="rId27"/>
     <p:sldId id="282" r:id="rId28"/>
+    <p:sldId id="283" r:id="rId29"/>
+    <p:sldId id="284" r:id="rId30"/>
+    <p:sldId id="285" r:id="rId31"/>
+    <p:sldId id="286" r:id="rId32"/>
+    <p:sldId id="287" r:id="rId33"/>
+    <p:sldId id="288" r:id="rId34"/>
   </p:sldIdLst>
   <p:sldSz cx="12192000" cy="6858000"/>
   <p:notesSz cx="6858000" cy="9144000"/>
@@ -4670,7 +4676,7 @@
         </p:blipFill>
         <p:spPr>
           <a:xfrm>
-            <a:off x="2970530" y="2837180"/>
+            <a:off x="2908935" y="2837180"/>
             <a:ext cx="2381250" cy="400050"/>
           </a:xfrm>
           <a:prstGeom prst="rect">
@@ -4796,6 +4802,277 @@
 </p:sld>
 </file>
 
+<file path=ppt/slides/slide27.xml><?xml version="1.0" encoding="utf-8"?>
+<p:sld xmlns:a="http://schemas.openxmlformats.org/drawingml/2006/main" xmlns:r="http://schemas.openxmlformats.org/officeDocument/2006/relationships" xmlns:p="http://schemas.openxmlformats.org/presentationml/2006/main">
+  <p:cSld>
+    <p:spTree>
+      <p:nvGrpSpPr>
+        <p:cNvPr id="1" name=""/>
+        <p:cNvGrpSpPr/>
+        <p:nvPr/>
+      </p:nvGrpSpPr>
+      <p:grpSpPr/>
+      <p:sp>
+        <p:nvSpPr>
+          <p:cNvPr id="2" name="标题 1"/>
+          <p:cNvSpPr>
+            <a:spLocks noGrp="1"/>
+          </p:cNvSpPr>
+          <p:nvPr>
+            <p:ph type="title"/>
+          </p:nvPr>
+        </p:nvSpPr>
+        <p:spPr/>
+        <p:txBody>
+          <a:bodyPr/>
+          <a:p>
+            <a:r>
+              <a:rPr lang="en-US" altLang="zh-CN"/>
+              <a:t>img</a:t>
+            </a:r>
+            <a:r>
+              <a:rPr lang="zh-CN" altLang="en-US"/>
+              <a:t>标签是放图片的</a:t>
+            </a:r>
+            <a:r>
+              <a:rPr lang="en-US" altLang="zh-CN"/>
+              <a:t>&lt;img src=”” &gt;</a:t>
+            </a:r>
+            <a:endParaRPr lang="en-US" altLang="zh-CN"/>
+          </a:p>
+        </p:txBody>
+      </p:sp>
+      <p:pic>
+        <p:nvPicPr>
+          <p:cNvPr id="4" name="内容占位符 3"/>
+          <p:cNvPicPr>
+            <a:picLocks noChangeAspect="1"/>
+          </p:cNvPicPr>
+          <p:nvPr>
+            <p:ph idx="1"/>
+          </p:nvPr>
+        </p:nvPicPr>
+        <p:blipFill>
+          <a:blip r:embed="rId1"/>
+          <a:stretch>
+            <a:fillRect/>
+          </a:stretch>
+        </p:blipFill>
+        <p:spPr>
+          <a:xfrm>
+            <a:off x="4308475" y="1967230"/>
+            <a:ext cx="6771005" cy="3655695"/>
+          </a:xfrm>
+          <a:prstGeom prst="rect">
+            <a:avLst/>
+          </a:prstGeom>
+        </p:spPr>
+      </p:pic>
+      <p:sp>
+        <p:nvSpPr>
+          <p:cNvPr id="5" name="文本框 4"/>
+          <p:cNvSpPr txBox="1"/>
+          <p:nvPr/>
+        </p:nvSpPr>
+        <p:spPr>
+          <a:xfrm>
+            <a:off x="1833880" y="2804160"/>
+            <a:ext cx="1653540" cy="642620"/>
+          </a:xfrm>
+          <a:prstGeom prst="rect">
+            <a:avLst/>
+          </a:prstGeom>
+          <a:noFill/>
+        </p:spPr>
+        <p:txBody>
+          <a:bodyPr wrap="square" rtlCol="0">
+            <a:spAutoFit/>
+          </a:bodyPr>
+          <a:p>
+            <a:r>
+              <a:rPr lang="en-US" altLang="zh-CN"/>
+              <a:t>src </a:t>
+            </a:r>
+            <a:r>
+              <a:rPr lang="zh-CN" altLang="en-US"/>
+              <a:t>是我们的图片路径</a:t>
+            </a:r>
+            <a:endParaRPr lang="zh-CN" altLang="en-US"/>
+          </a:p>
+        </p:txBody>
+      </p:sp>
+    </p:spTree>
+  </p:cSld>
+  <p:clrMapOvr>
+    <a:masterClrMapping/>
+  </p:clrMapOvr>
+</p:sld>
+</file>
+
+<file path=ppt/slides/slide28.xml><?xml version="1.0" encoding="utf-8"?>
+<p:sld xmlns:a="http://schemas.openxmlformats.org/drawingml/2006/main" xmlns:r="http://schemas.openxmlformats.org/officeDocument/2006/relationships" xmlns:p="http://schemas.openxmlformats.org/presentationml/2006/main">
+  <p:cSld>
+    <p:spTree>
+      <p:nvGrpSpPr>
+        <p:cNvPr id="1" name=""/>
+        <p:cNvGrpSpPr/>
+        <p:nvPr/>
+      </p:nvGrpSpPr>
+      <p:grpSpPr/>
+      <p:sp>
+        <p:nvSpPr>
+          <p:cNvPr id="2" name="标题 1"/>
+          <p:cNvSpPr>
+            <a:spLocks noGrp="1"/>
+          </p:cNvSpPr>
+          <p:nvPr>
+            <p:ph type="title"/>
+          </p:nvPr>
+        </p:nvSpPr>
+        <p:spPr/>
+        <p:txBody>
+          <a:bodyPr/>
+          <a:p>
+            <a:r>
+              <a:rPr lang="zh-CN" altLang="en-US"/>
+              <a:t>怎么做成这种 三个点的效果呢？</a:t>
+            </a:r>
+            <a:endParaRPr lang="zh-CN" altLang="en-US"/>
+          </a:p>
+        </p:txBody>
+      </p:sp>
+      <p:pic>
+        <p:nvPicPr>
+          <p:cNvPr id="4" name="内容占位符 3"/>
+          <p:cNvPicPr>
+            <a:picLocks noChangeAspect="1"/>
+          </p:cNvPicPr>
+          <p:nvPr>
+            <p:ph idx="1"/>
+          </p:nvPr>
+        </p:nvPicPr>
+        <p:blipFill>
+          <a:blip r:embed="rId1"/>
+          <a:stretch>
+            <a:fillRect/>
+          </a:stretch>
+        </p:blipFill>
+        <p:spPr>
+          <a:xfrm>
+            <a:off x="516255" y="2547620"/>
+            <a:ext cx="9902825" cy="1435735"/>
+          </a:xfrm>
+          <a:prstGeom prst="rect">
+            <a:avLst/>
+          </a:prstGeom>
+        </p:spPr>
+      </p:pic>
+    </p:spTree>
+  </p:cSld>
+  <p:clrMapOvr>
+    <a:masterClrMapping/>
+  </p:clrMapOvr>
+</p:sld>
+</file>
+
+<file path=ppt/slides/slide29.xml><?xml version="1.0" encoding="utf-8"?>
+<p:sld xmlns:a="http://schemas.openxmlformats.org/drawingml/2006/main" xmlns:r="http://schemas.openxmlformats.org/officeDocument/2006/relationships" xmlns:p="http://schemas.openxmlformats.org/presentationml/2006/main">
+  <p:cSld>
+    <p:spTree>
+      <p:nvGrpSpPr>
+        <p:cNvPr id="1" name=""/>
+        <p:cNvGrpSpPr/>
+        <p:nvPr/>
+      </p:nvGrpSpPr>
+      <p:grpSpPr/>
+      <p:sp>
+        <p:nvSpPr>
+          <p:cNvPr id="2" name="标题 1"/>
+          <p:cNvSpPr>
+            <a:spLocks noGrp="1"/>
+          </p:cNvSpPr>
+          <p:nvPr>
+            <p:ph type="title"/>
+          </p:nvPr>
+        </p:nvSpPr>
+        <p:spPr/>
+        <p:txBody>
+          <a:bodyPr/>
+          <a:p>
+            <a:r>
+              <a:rPr lang="zh-CN" altLang="en-US"/>
+              <a:t>下划线是由于有</a:t>
+            </a:r>
+            <a:r>
+              <a:rPr lang="en-US" altLang="zh-CN"/>
+              <a:t>a</a:t>
+            </a:r>
+            <a:r>
+              <a:rPr lang="zh-CN" altLang="en-US"/>
+              <a:t>标签</a:t>
+            </a:r>
+            <a:endParaRPr lang="zh-CN" altLang="en-US"/>
+          </a:p>
+        </p:txBody>
+      </p:sp>
+      <p:pic>
+        <p:nvPicPr>
+          <p:cNvPr id="4" name="内容占位符 3"/>
+          <p:cNvPicPr>
+            <a:picLocks noChangeAspect="1"/>
+          </p:cNvPicPr>
+          <p:nvPr>
+            <p:ph idx="1"/>
+          </p:nvPr>
+        </p:nvPicPr>
+        <p:blipFill>
+          <a:blip r:embed="rId1"/>
+          <a:stretch>
+            <a:fillRect/>
+          </a:stretch>
+        </p:blipFill>
+        <p:spPr>
+          <a:xfrm>
+            <a:off x="1577975" y="2496820"/>
+            <a:ext cx="6035675" cy="2700655"/>
+          </a:xfrm>
+          <a:prstGeom prst="rect">
+            <a:avLst/>
+          </a:prstGeom>
+        </p:spPr>
+      </p:pic>
+      <p:pic>
+        <p:nvPicPr>
+          <p:cNvPr id="5" name="图片 4"/>
+          <p:cNvPicPr>
+            <a:picLocks noChangeAspect="1"/>
+          </p:cNvPicPr>
+          <p:nvPr/>
+        </p:nvPicPr>
+        <p:blipFill>
+          <a:blip r:embed="rId2"/>
+          <a:stretch>
+            <a:fillRect/>
+          </a:stretch>
+        </p:blipFill>
+        <p:spPr>
+          <a:xfrm>
+            <a:off x="7994650" y="2429510"/>
+            <a:ext cx="1247775" cy="333375"/>
+          </a:xfrm>
+          <a:prstGeom prst="rect">
+            <a:avLst/>
+          </a:prstGeom>
+        </p:spPr>
+      </p:pic>
+    </p:spTree>
+  </p:cSld>
+  <p:clrMapOvr>
+    <a:masterClrMapping/>
+  </p:clrMapOvr>
+</p:sld>
+</file>
+
 <file path=ppt/slides/slide3.xml><?xml version="1.0" encoding="utf-8"?>
 <p:sld xmlns:a="http://schemas.openxmlformats.org/drawingml/2006/main" xmlns:r="http://schemas.openxmlformats.org/officeDocument/2006/relationships" xmlns:p="http://schemas.openxmlformats.org/presentationml/2006/main">
   <p:cSld>
@@ -4891,6 +5168,268 @@
           </a:p>
         </p:txBody>
       </p:sp>
+    </p:spTree>
+  </p:cSld>
+  <p:clrMapOvr>
+    <a:masterClrMapping/>
+  </p:clrMapOvr>
+</p:sld>
+</file>
+
+<file path=ppt/slides/slide30.xml><?xml version="1.0" encoding="utf-8"?>
+<p:sld xmlns:a="http://schemas.openxmlformats.org/drawingml/2006/main" xmlns:r="http://schemas.openxmlformats.org/officeDocument/2006/relationships" xmlns:p="http://schemas.openxmlformats.org/presentationml/2006/main">
+  <p:cSld>
+    <p:spTree>
+      <p:nvGrpSpPr>
+        <p:cNvPr id="1" name=""/>
+        <p:cNvGrpSpPr/>
+        <p:nvPr/>
+      </p:nvGrpSpPr>
+      <p:grpSpPr/>
+      <p:sp>
+        <p:nvSpPr>
+          <p:cNvPr id="2" name="标题 1"/>
+          <p:cNvSpPr>
+            <a:spLocks noGrp="1"/>
+          </p:cNvSpPr>
+          <p:nvPr>
+            <p:ph type="title"/>
+          </p:nvPr>
+        </p:nvSpPr>
+        <p:spPr/>
+        <p:txBody>
+          <a:bodyPr/>
+          <a:p>
+            <a:r>
+              <a:rPr lang="zh-CN" altLang="en-US"/>
+              <a:t>怎么让</a:t>
+            </a:r>
+            <a:r>
+              <a:rPr lang="en-US" altLang="zh-CN"/>
+              <a:t>div</a:t>
+            </a:r>
+            <a:r>
+              <a:rPr lang="zh-CN" altLang="en-US"/>
+              <a:t>显示在一排</a:t>
+            </a:r>
+            <a:r>
+              <a:rPr lang="en-US" altLang="zh-CN"/>
+              <a:t>float</a:t>
+            </a:r>
+            <a:r>
+              <a:rPr lang="zh-CN" altLang="en-US"/>
+              <a:t>：</a:t>
+            </a:r>
+            <a:r>
+              <a:rPr lang="en-US" altLang="zh-CN"/>
+              <a:t>left</a:t>
+            </a:r>
+            <a:endParaRPr lang="en-US" altLang="zh-CN"/>
+          </a:p>
+        </p:txBody>
+      </p:sp>
+      <p:pic>
+        <p:nvPicPr>
+          <p:cNvPr id="4" name="内容占位符 3"/>
+          <p:cNvPicPr>
+            <a:picLocks noChangeAspect="1"/>
+          </p:cNvPicPr>
+          <p:nvPr>
+            <p:ph idx="1"/>
+          </p:nvPr>
+        </p:nvPicPr>
+        <p:blipFill>
+          <a:blip r:embed="rId1"/>
+          <a:stretch>
+            <a:fillRect/>
+          </a:stretch>
+        </p:blipFill>
+        <p:spPr>
+          <a:xfrm>
+            <a:off x="1278255" y="1776730"/>
+            <a:ext cx="8606155" cy="4351655"/>
+          </a:xfrm>
+          <a:prstGeom prst="rect">
+            <a:avLst/>
+          </a:prstGeom>
+        </p:spPr>
+      </p:pic>
+    </p:spTree>
+  </p:cSld>
+  <p:clrMapOvr>
+    <a:masterClrMapping/>
+  </p:clrMapOvr>
+</p:sld>
+</file>
+
+<file path=ppt/slides/slide31.xml><?xml version="1.0" encoding="utf-8"?>
+<p:sld xmlns:a="http://schemas.openxmlformats.org/drawingml/2006/main" xmlns:r="http://schemas.openxmlformats.org/officeDocument/2006/relationships" xmlns:p="http://schemas.openxmlformats.org/presentationml/2006/main">
+  <p:cSld>
+    <p:spTree>
+      <p:nvGrpSpPr>
+        <p:cNvPr id="1" name=""/>
+        <p:cNvGrpSpPr/>
+        <p:nvPr/>
+      </p:nvGrpSpPr>
+      <p:grpSpPr/>
+      <p:sp>
+        <p:nvSpPr>
+          <p:cNvPr id="2" name="标题 1"/>
+          <p:cNvSpPr>
+            <a:spLocks noGrp="1"/>
+          </p:cNvSpPr>
+          <p:nvPr>
+            <p:ph type="title"/>
+          </p:nvPr>
+        </p:nvSpPr>
+        <p:spPr/>
+        <p:txBody>
+          <a:bodyPr/>
+          <a:p>
+            <a:r>
+              <a:rPr lang="zh-CN" altLang="en-US"/>
+              <a:t>怎么使文字居中</a:t>
+            </a:r>
+            <a:r>
+              <a:rPr lang="en-US" altLang="zh-CN"/>
+              <a:t>text-align:center</a:t>
+            </a:r>
+            <a:endParaRPr lang="en-US" altLang="zh-CN"/>
+          </a:p>
+        </p:txBody>
+      </p:sp>
+      <p:pic>
+        <p:nvPicPr>
+          <p:cNvPr id="4" name="内容占位符 3"/>
+          <p:cNvPicPr>
+            <a:picLocks noChangeAspect="1"/>
+          </p:cNvPicPr>
+          <p:nvPr>
+            <p:ph idx="1"/>
+          </p:nvPr>
+        </p:nvPicPr>
+        <p:blipFill>
+          <a:blip r:embed="rId1"/>
+          <a:stretch>
+            <a:fillRect/>
+          </a:stretch>
+        </p:blipFill>
+        <p:spPr>
+          <a:xfrm>
+            <a:off x="918845" y="3567430"/>
+            <a:ext cx="10353675" cy="866775"/>
+          </a:xfrm>
+          <a:prstGeom prst="rect">
+            <a:avLst/>
+          </a:prstGeom>
+        </p:spPr>
+      </p:pic>
+    </p:spTree>
+  </p:cSld>
+  <p:clrMapOvr>
+    <a:masterClrMapping/>
+  </p:clrMapOvr>
+</p:sld>
+</file>
+
+<file path=ppt/slides/slide32.xml><?xml version="1.0" encoding="utf-8"?>
+<p:sld xmlns:a="http://schemas.openxmlformats.org/drawingml/2006/main" xmlns:r="http://schemas.openxmlformats.org/officeDocument/2006/relationships" xmlns:p="http://schemas.openxmlformats.org/presentationml/2006/main">
+  <p:cSld>
+    <p:spTree>
+      <p:nvGrpSpPr>
+        <p:cNvPr id="1" name=""/>
+        <p:cNvGrpSpPr/>
+        <p:nvPr/>
+      </p:nvGrpSpPr>
+      <p:grpSpPr/>
+      <p:sp>
+        <p:nvSpPr>
+          <p:cNvPr id="2" name="标题 1"/>
+          <p:cNvSpPr>
+            <a:spLocks noGrp="1"/>
+          </p:cNvSpPr>
+          <p:nvPr>
+            <p:ph type="title"/>
+          </p:nvPr>
+        </p:nvSpPr>
+        <p:spPr/>
+        <p:txBody>
+          <a:bodyPr/>
+          <a:p>
+            <a:r>
+              <a:rPr lang="zh-CN" altLang="en-US"/>
+              <a:t>怎么把间隙拉大  </a:t>
+            </a:r>
+            <a:r>
+              <a:rPr lang="en-US" altLang="zh-CN"/>
+              <a:t>margin-top</a:t>
+            </a:r>
+            <a:r>
+              <a:rPr lang="zh-CN" altLang="en-US"/>
+              <a:t>：</a:t>
+            </a:r>
+            <a:r>
+              <a:rPr lang="en-US" altLang="zh-CN"/>
+              <a:t>50</a:t>
+            </a:r>
+            <a:r>
+              <a:rPr lang="en-US" altLang="zh-CN"/>
+              <a:t>px</a:t>
+            </a:r>
+            <a:endParaRPr lang="en-US" altLang="zh-CN"/>
+          </a:p>
+        </p:txBody>
+      </p:sp>
+      <p:pic>
+        <p:nvPicPr>
+          <p:cNvPr id="4" name="内容占位符 3"/>
+          <p:cNvPicPr>
+            <a:picLocks noChangeAspect="1"/>
+          </p:cNvPicPr>
+          <p:nvPr>
+            <p:ph idx="1"/>
+          </p:nvPr>
+        </p:nvPicPr>
+        <p:blipFill>
+          <a:blip r:embed="rId1"/>
+          <a:stretch>
+            <a:fillRect/>
+          </a:stretch>
+        </p:blipFill>
+        <p:spPr>
+          <a:xfrm>
+            <a:off x="853440" y="1902460"/>
+            <a:ext cx="10239375" cy="2457450"/>
+          </a:xfrm>
+          <a:prstGeom prst="rect">
+            <a:avLst/>
+          </a:prstGeom>
+        </p:spPr>
+      </p:pic>
+      <p:pic>
+        <p:nvPicPr>
+          <p:cNvPr id="5" name="图片 4"/>
+          <p:cNvPicPr>
+            <a:picLocks noChangeAspect="1"/>
+          </p:cNvPicPr>
+          <p:nvPr/>
+        </p:nvPicPr>
+        <p:blipFill>
+          <a:blip r:embed="rId2"/>
+          <a:stretch>
+            <a:fillRect/>
+          </a:stretch>
+        </p:blipFill>
+        <p:spPr>
+          <a:xfrm>
+            <a:off x="609600" y="4426585"/>
+            <a:ext cx="8647430" cy="3418840"/>
+          </a:xfrm>
+          <a:prstGeom prst="rect">
+            <a:avLst/>
+          </a:prstGeom>
+        </p:spPr>
+      </p:pic>
     </p:spTree>
   </p:cSld>
   <p:clrMapOvr>

--- a/课程/初级/html+css部分.pptx
+++ b/课程/初级/html+css部分.pptx
@@ -37,6 +37,26 @@
     <p:sldId id="286" r:id="rId32"/>
     <p:sldId id="287" r:id="rId33"/>
     <p:sldId id="288" r:id="rId34"/>
+    <p:sldId id="289" r:id="rId35"/>
+    <p:sldId id="290" r:id="rId36"/>
+    <p:sldId id="291" r:id="rId37"/>
+    <p:sldId id="292" r:id="rId38"/>
+    <p:sldId id="293" r:id="rId39"/>
+    <p:sldId id="294" r:id="rId40"/>
+    <p:sldId id="295" r:id="rId41"/>
+    <p:sldId id="296" r:id="rId42"/>
+    <p:sldId id="297" r:id="rId43"/>
+    <p:sldId id="298" r:id="rId44"/>
+    <p:sldId id="299" r:id="rId45"/>
+    <p:sldId id="300" r:id="rId46"/>
+    <p:sldId id="301" r:id="rId47"/>
+    <p:sldId id="302" r:id="rId48"/>
+    <p:sldId id="303" r:id="rId49"/>
+    <p:sldId id="304" r:id="rId50"/>
+    <p:sldId id="305" r:id="rId51"/>
+    <p:sldId id="306" r:id="rId52"/>
+    <p:sldId id="307" r:id="rId53"/>
+    <p:sldId id="308" r:id="rId54"/>
   </p:sldIdLst>
   <p:sldSz cx="12192000" cy="6858000"/>
   <p:notesSz cx="6858000" cy="9144000"/>
@@ -2713,7 +2733,7 @@
         </p:nvSpPr>
         <p:spPr>
           <a:xfrm>
-            <a:off x="1651000" y="3729038"/>
+            <a:off x="1651000" y="3716973"/>
             <a:ext cx="9144000" cy="1655762"/>
           </a:xfrm>
           <a:prstGeom prst="rect">
@@ -5370,11 +5390,7 @@
             </a:r>
             <a:r>
               <a:rPr lang="en-US" altLang="zh-CN"/>
-              <a:t>50</a:t>
-            </a:r>
-            <a:r>
-              <a:rPr lang="en-US" altLang="zh-CN"/>
-              <a:t>px</a:t>
+              <a:t>50px</a:t>
             </a:r>
             <a:endParaRPr lang="en-US" altLang="zh-CN"/>
           </a:p>
@@ -5430,6 +5446,979 @@
           </a:prstGeom>
         </p:spPr>
       </p:pic>
+    </p:spTree>
+  </p:cSld>
+  <p:clrMapOvr>
+    <a:masterClrMapping/>
+  </p:clrMapOvr>
+</p:sld>
+</file>
+
+<file path=ppt/slides/slide33.xml><?xml version="1.0" encoding="utf-8"?>
+<p:sld xmlns:a="http://schemas.openxmlformats.org/drawingml/2006/main" xmlns:r="http://schemas.openxmlformats.org/officeDocument/2006/relationships" xmlns:p="http://schemas.openxmlformats.org/presentationml/2006/main">
+  <p:cSld>
+    <p:spTree>
+      <p:nvGrpSpPr>
+        <p:cNvPr id="1" name=""/>
+        <p:cNvGrpSpPr/>
+        <p:nvPr/>
+      </p:nvGrpSpPr>
+      <p:grpSpPr/>
+      <p:sp>
+        <p:nvSpPr>
+          <p:cNvPr id="2" name="标题 1"/>
+          <p:cNvSpPr>
+            <a:spLocks noGrp="1"/>
+          </p:cNvSpPr>
+          <p:nvPr>
+            <p:ph type="title"/>
+          </p:nvPr>
+        </p:nvSpPr>
+        <p:spPr/>
+        <p:txBody>
+          <a:bodyPr/>
+          <a:p>
+            <a:r>
+              <a:rPr lang="zh-CN" altLang="en-US"/>
+              <a:t>前端工作每日关注</a:t>
+            </a:r>
+            <a:endParaRPr lang="zh-CN" altLang="en-US"/>
+          </a:p>
+        </p:txBody>
+      </p:sp>
+      <p:sp>
+        <p:nvSpPr>
+          <p:cNvPr id="3" name="内容占位符 2"/>
+          <p:cNvSpPr>
+            <a:spLocks noGrp="1"/>
+          </p:cNvSpPr>
+          <p:nvPr>
+            <p:ph idx="1"/>
+          </p:nvPr>
+        </p:nvSpPr>
+        <p:spPr/>
+        <p:txBody>
+          <a:bodyPr/>
+          <a:p>
+            <a:r>
+              <a:rPr lang="zh-CN" altLang="en-US"/>
+              <a:t>最高可以达到五六万一个月，只要你牛。</a:t>
+            </a:r>
+            <a:endParaRPr lang="zh-CN" altLang="en-US"/>
+          </a:p>
+          <a:p>
+            <a:r>
+              <a:rPr lang="zh-CN" altLang="en-US"/>
+              <a:t>一般初学者能够做事情，也就是公司里面薪资肯定可以上</a:t>
+            </a:r>
+            <a:r>
+              <a:rPr lang="en-US" altLang="zh-CN"/>
+              <a:t>7k</a:t>
+            </a:r>
+            <a:r>
+              <a:rPr lang="zh-CN" altLang="en-US"/>
+              <a:t>的这没什么问题的。</a:t>
+            </a:r>
+            <a:endParaRPr lang="zh-CN" altLang="en-US"/>
+          </a:p>
+          <a:p>
+            <a:r>
+              <a:rPr lang="zh-CN" altLang="en-US"/>
+              <a:t>如果你能够做简单的网站，但是做的比较慢，在工作还搜索知识，或者通过别人来完成这个工作，或者你手上 的网站。一般情况</a:t>
+            </a:r>
+            <a:r>
+              <a:rPr lang="en-US" altLang="zh-CN"/>
+              <a:t>2500</a:t>
+            </a:r>
+            <a:r>
+              <a:rPr lang="zh-CN" altLang="en-US"/>
+              <a:t>到</a:t>
+            </a:r>
+            <a:r>
+              <a:rPr lang="en-US" altLang="zh-CN"/>
+              <a:t>3000</a:t>
+            </a:r>
+            <a:r>
+              <a:rPr lang="zh-CN" altLang="en-US"/>
+              <a:t>的样子。</a:t>
+            </a:r>
+            <a:endParaRPr lang="zh-CN" altLang="en-US"/>
+          </a:p>
+        </p:txBody>
+      </p:sp>
+    </p:spTree>
+  </p:cSld>
+  <p:clrMapOvr>
+    <a:masterClrMapping/>
+  </p:clrMapOvr>
+</p:sld>
+</file>
+
+<file path=ppt/slides/slide34.xml><?xml version="1.0" encoding="utf-8"?>
+<p:sld xmlns:a="http://schemas.openxmlformats.org/drawingml/2006/main" xmlns:r="http://schemas.openxmlformats.org/officeDocument/2006/relationships" xmlns:p="http://schemas.openxmlformats.org/presentationml/2006/main">
+  <p:cSld>
+    <p:spTree>
+      <p:nvGrpSpPr>
+        <p:cNvPr id="1" name=""/>
+        <p:cNvGrpSpPr/>
+        <p:nvPr/>
+      </p:nvGrpSpPr>
+      <p:grpSpPr/>
+      <p:sp>
+        <p:nvSpPr>
+          <p:cNvPr id="2" name="标题 1"/>
+          <p:cNvSpPr>
+            <a:spLocks noGrp="1"/>
+          </p:cNvSpPr>
+          <p:nvPr>
+            <p:ph type="title"/>
+          </p:nvPr>
+        </p:nvSpPr>
+        <p:spPr/>
+        <p:txBody>
+          <a:bodyPr/>
+          <a:p>
+            <a:r>
+              <a:rPr lang="zh-CN" altLang="en-US"/>
+              <a:t>面试经常会问的一些技术问题。</a:t>
+            </a:r>
+            <a:endParaRPr lang="zh-CN" altLang="en-US"/>
+          </a:p>
+        </p:txBody>
+      </p:sp>
+      <p:pic>
+        <p:nvPicPr>
+          <p:cNvPr id="4" name="内容占位符 3"/>
+          <p:cNvPicPr>
+            <a:picLocks noChangeAspect="1"/>
+          </p:cNvPicPr>
+          <p:nvPr>
+            <p:ph idx="1"/>
+          </p:nvPr>
+        </p:nvPicPr>
+        <p:blipFill>
+          <a:blip r:embed="rId1"/>
+          <a:stretch>
+            <a:fillRect/>
+          </a:stretch>
+        </p:blipFill>
+        <p:spPr>
+          <a:xfrm>
+            <a:off x="634365" y="1341755"/>
+            <a:ext cx="9968865" cy="5350510"/>
+          </a:xfrm>
+          <a:prstGeom prst="rect">
+            <a:avLst/>
+          </a:prstGeom>
+        </p:spPr>
+      </p:pic>
+    </p:spTree>
+  </p:cSld>
+  <p:clrMapOvr>
+    <a:masterClrMapping/>
+  </p:clrMapOvr>
+</p:sld>
+</file>
+
+<file path=ppt/slides/slide35.xml><?xml version="1.0" encoding="utf-8"?>
+<p:sld xmlns:a="http://schemas.openxmlformats.org/drawingml/2006/main" xmlns:r="http://schemas.openxmlformats.org/officeDocument/2006/relationships" xmlns:p="http://schemas.openxmlformats.org/presentationml/2006/main">
+  <p:cSld>
+    <p:spTree>
+      <p:nvGrpSpPr>
+        <p:cNvPr id="1" name=""/>
+        <p:cNvGrpSpPr/>
+        <p:nvPr/>
+      </p:nvGrpSpPr>
+      <p:grpSpPr/>
+      <p:sp>
+        <p:nvSpPr>
+          <p:cNvPr id="2" name="标题 1"/>
+          <p:cNvSpPr>
+            <a:spLocks noGrp="1"/>
+          </p:cNvSpPr>
+          <p:nvPr>
+            <p:ph type="title"/>
+          </p:nvPr>
+        </p:nvSpPr>
+        <p:spPr/>
+        <p:txBody>
+          <a:bodyPr/>
+          <a:p>
+            <a:r>
+              <a:rPr lang="zh-CN" altLang="en-US"/>
+              <a:t>为什么要定义</a:t>
+            </a:r>
+            <a:r>
+              <a:rPr lang="en-US" altLang="zh-CN"/>
+              <a:t>class=“xxx</a:t>
+            </a:r>
+            <a:r>
+              <a:rPr lang="en-US" altLang="zh-CN"/>
+              <a:t>”</a:t>
+            </a:r>
+            <a:endParaRPr lang="en-US" altLang="zh-CN"/>
+          </a:p>
+        </p:txBody>
+      </p:sp>
+      <p:sp>
+        <p:nvSpPr>
+          <p:cNvPr id="3" name="内容占位符 2"/>
+          <p:cNvSpPr>
+            <a:spLocks noGrp="1"/>
+          </p:cNvSpPr>
+          <p:nvPr>
+            <p:ph idx="1"/>
+          </p:nvPr>
+        </p:nvSpPr>
+        <p:spPr/>
+        <p:txBody>
+          <a:bodyPr/>
+          <a:p>
+            <a:r>
+              <a:rPr lang="zh-CN" altLang="en-US"/>
+              <a:t>就类似于我们每个人有个名字。</a:t>
+            </a:r>
+            <a:r>
+              <a:rPr lang="en-US" altLang="zh-CN"/>
+              <a:t>div</a:t>
+            </a:r>
+            <a:r>
+              <a:rPr lang="zh-CN" altLang="en-US"/>
+              <a:t>要定义一个名字。</a:t>
+            </a:r>
+            <a:r>
+              <a:rPr lang="en-US" altLang="zh-CN"/>
+              <a:t>class=”div2”</a:t>
+            </a:r>
+            <a:endParaRPr lang="en-US" altLang="zh-CN"/>
+          </a:p>
+        </p:txBody>
+      </p:sp>
+      <p:pic>
+        <p:nvPicPr>
+          <p:cNvPr id="4" name="图片 3"/>
+          <p:cNvPicPr>
+            <a:picLocks noChangeAspect="1"/>
+          </p:cNvPicPr>
+          <p:nvPr/>
+        </p:nvPicPr>
+        <p:blipFill>
+          <a:blip r:embed="rId1"/>
+          <a:stretch>
+            <a:fillRect/>
+          </a:stretch>
+        </p:blipFill>
+        <p:spPr>
+          <a:xfrm>
+            <a:off x="647065" y="2887980"/>
+            <a:ext cx="2618740" cy="542925"/>
+          </a:xfrm>
+          <a:prstGeom prst="rect">
+            <a:avLst/>
+          </a:prstGeom>
+        </p:spPr>
+      </p:pic>
+    </p:spTree>
+  </p:cSld>
+  <p:clrMapOvr>
+    <a:masterClrMapping/>
+  </p:clrMapOvr>
+</p:sld>
+</file>
+
+<file path=ppt/slides/slide36.xml><?xml version="1.0" encoding="utf-8"?>
+<p:sld xmlns:a="http://schemas.openxmlformats.org/drawingml/2006/main" xmlns:r="http://schemas.openxmlformats.org/officeDocument/2006/relationships" xmlns:p="http://schemas.openxmlformats.org/presentationml/2006/main">
+  <p:cSld>
+    <p:spTree>
+      <p:nvGrpSpPr>
+        <p:cNvPr id="1" name=""/>
+        <p:cNvGrpSpPr/>
+        <p:nvPr/>
+      </p:nvGrpSpPr>
+      <p:grpSpPr/>
+      <p:sp>
+        <p:nvSpPr>
+          <p:cNvPr id="2" name="标题 1"/>
+          <p:cNvSpPr>
+            <a:spLocks noGrp="1"/>
+          </p:cNvSpPr>
+          <p:nvPr>
+            <p:ph type="title"/>
+          </p:nvPr>
+        </p:nvSpPr>
+        <p:spPr/>
+        <p:txBody>
+          <a:bodyPr/>
+          <a:p>
+            <a:r>
+              <a:rPr lang="zh-CN" altLang="en-US"/>
+              <a:t>style英文含义是样式</a:t>
+            </a:r>
+            <a:endParaRPr lang="zh-CN" altLang="en-US"/>
+          </a:p>
+        </p:txBody>
+      </p:sp>
+      <p:sp>
+        <p:nvSpPr>
+          <p:cNvPr id="3" name="内容占位符 2"/>
+          <p:cNvSpPr>
+            <a:spLocks noGrp="1"/>
+          </p:cNvSpPr>
+          <p:nvPr>
+            <p:ph idx="1"/>
+          </p:nvPr>
+        </p:nvSpPr>
+        <p:spPr/>
+        <p:txBody>
+          <a:bodyPr/>
+          <a:p>
+            <a:r>
+              <a:rPr lang="zh-CN" altLang="en-US"/>
+              <a:t>在</a:t>
+            </a:r>
+            <a:r>
+              <a:rPr lang="en-US" altLang="zh-CN"/>
+              <a:t>&lt;style&gt;&lt;/style&gt;</a:t>
+            </a:r>
+            <a:r>
+              <a:rPr lang="zh-CN" altLang="en-US"/>
+              <a:t>里面定义样式</a:t>
+            </a:r>
+            <a:endParaRPr lang="zh-CN" altLang="en-US"/>
+          </a:p>
+          <a:p>
+            <a:r>
+              <a:rPr lang="zh-CN" altLang="en-US"/>
+              <a:t>class="div1"  就等于</a:t>
+            </a:r>
+            <a:r>
+              <a:rPr lang="en-US" altLang="zh-CN"/>
+              <a:t>.div1</a:t>
+            </a:r>
+            <a:endParaRPr lang="en-US" altLang="zh-CN"/>
+          </a:p>
+          <a:p>
+            <a:r>
+              <a:rPr lang="en-US" altLang="zh-CN"/>
+              <a:t>.div1{}</a:t>
+            </a:r>
+            <a:r>
+              <a:rPr lang="zh-CN" altLang="en-US"/>
+              <a:t>在这个大括号里面写样式</a:t>
+            </a:r>
+            <a:endParaRPr lang="zh-CN" altLang="en-US"/>
+          </a:p>
+          <a:p>
+            <a:r>
+              <a:rPr lang="zh-CN" altLang="en-US"/>
+              <a:t> height:45px;这个意思就一个人的身高是</a:t>
+            </a:r>
+            <a:r>
+              <a:rPr lang="en-US" altLang="zh-CN"/>
+              <a:t>1.7m</a:t>
+            </a:r>
+            <a:r>
+              <a:rPr lang="zh-CN" altLang="en-US"/>
+              <a:t>，</a:t>
+            </a:r>
+            <a:r>
+              <a:rPr lang="en-US" altLang="zh-CN"/>
+              <a:t>m</a:t>
+            </a:r>
+            <a:r>
+              <a:rPr lang="zh-CN" altLang="en-US"/>
+              <a:t>就想相当于</a:t>
+            </a:r>
+            <a:r>
+              <a:rPr lang="en-US" altLang="zh-CN"/>
+              <a:t>px</a:t>
+            </a:r>
+            <a:r>
+              <a:rPr lang="zh-CN" altLang="en-US"/>
+              <a:t>，</a:t>
+            </a:r>
+            <a:r>
+              <a:rPr lang="en-US" altLang="zh-CN"/>
+              <a:t>px</a:t>
+            </a:r>
+            <a:r>
+              <a:rPr lang="zh-CN" altLang="en-US"/>
+              <a:t>是我们</a:t>
+            </a:r>
+            <a:r>
+              <a:rPr lang="en-US" altLang="zh-CN"/>
+              <a:t>htm</a:t>
+            </a:r>
+            <a:r>
+              <a:rPr lang="zh-CN" altLang="en-US"/>
+              <a:t>距离的一个单位。</a:t>
+            </a:r>
+            <a:endParaRPr lang="zh-CN" altLang="en-US"/>
+          </a:p>
+          <a:p>
+            <a:r>
+              <a:rPr lang="zh-CN" altLang="en-US"/>
+              <a:t>文字上下居中：定义一个行高</a:t>
+            </a:r>
+            <a:r>
+              <a:rPr lang="en-US" altLang="zh-CN"/>
+              <a:t>line-height:</a:t>
+            </a:r>
+            <a:r>
+              <a:rPr lang="zh-CN" altLang="en-US"/>
+              <a:t>当行高等于</a:t>
+            </a:r>
+            <a:r>
+              <a:rPr lang="en-US" altLang="zh-CN"/>
+              <a:t>div</a:t>
+            </a:r>
+            <a:r>
+              <a:rPr lang="zh-CN" altLang="en-US"/>
+              <a:t>的高度的时候这个文字就会居中。</a:t>
+            </a:r>
+            <a:endParaRPr lang="zh-CN" altLang="en-US"/>
+          </a:p>
+        </p:txBody>
+      </p:sp>
+    </p:spTree>
+  </p:cSld>
+  <p:clrMapOvr>
+    <a:masterClrMapping/>
+  </p:clrMapOvr>
+</p:sld>
+</file>
+
+<file path=ppt/slides/slide37.xml><?xml version="1.0" encoding="utf-8"?>
+<p:sld xmlns:a="http://schemas.openxmlformats.org/drawingml/2006/main" xmlns:r="http://schemas.openxmlformats.org/officeDocument/2006/relationships" xmlns:p="http://schemas.openxmlformats.org/presentationml/2006/main">
+  <p:cSld>
+    <p:spTree>
+      <p:nvGrpSpPr>
+        <p:cNvPr id="1" name=""/>
+        <p:cNvGrpSpPr/>
+        <p:nvPr/>
+      </p:nvGrpSpPr>
+      <p:grpSpPr/>
+      <p:sp>
+        <p:nvSpPr>
+          <p:cNvPr id="2" name="标题 1"/>
+          <p:cNvSpPr>
+            <a:spLocks noGrp="1"/>
+          </p:cNvSpPr>
+          <p:nvPr>
+            <p:ph type="title"/>
+          </p:nvPr>
+        </p:nvSpPr>
+        <p:spPr/>
+        <p:txBody>
+          <a:bodyPr/>
+          <a:p>
+            <a:r>
+              <a:rPr lang="zh-CN" altLang="en-US"/>
+              <a:t>定义字体颜色</a:t>
+            </a:r>
+            <a:r>
+              <a:rPr lang="en-US" altLang="zh-CN"/>
+              <a:t>color</a:t>
+            </a:r>
+            <a:r>
+              <a:rPr lang="zh-CN" altLang="en-US"/>
+              <a:t>的英文意思是颜色</a:t>
+            </a:r>
+            <a:endParaRPr lang="zh-CN" altLang="en-US"/>
+          </a:p>
+        </p:txBody>
+      </p:sp>
+      <p:pic>
+        <p:nvPicPr>
+          <p:cNvPr id="4" name="内容占位符 3"/>
+          <p:cNvPicPr>
+            <a:picLocks noChangeAspect="1"/>
+          </p:cNvPicPr>
+          <p:nvPr>
+            <p:ph idx="1"/>
+          </p:nvPr>
+        </p:nvPicPr>
+        <p:blipFill>
+          <a:blip r:embed="rId1"/>
+          <a:stretch>
+            <a:fillRect/>
+          </a:stretch>
+        </p:blipFill>
+        <p:spPr>
+          <a:xfrm>
+            <a:off x="1087755" y="2250440"/>
+            <a:ext cx="2790825" cy="857250"/>
+          </a:xfrm>
+          <a:prstGeom prst="rect">
+            <a:avLst/>
+          </a:prstGeom>
+        </p:spPr>
+      </p:pic>
+      <p:sp>
+        <p:nvSpPr>
+          <p:cNvPr id="5" name="文本框 4"/>
+          <p:cNvSpPr txBox="1"/>
+          <p:nvPr/>
+        </p:nvSpPr>
+        <p:spPr>
+          <a:xfrm>
+            <a:off x="964565" y="3244850"/>
+            <a:ext cx="7506970" cy="642620"/>
+          </a:xfrm>
+          <a:prstGeom prst="rect">
+            <a:avLst/>
+          </a:prstGeom>
+          <a:noFill/>
+        </p:spPr>
+        <p:txBody>
+          <a:bodyPr wrap="square" rtlCol="0">
+            <a:spAutoFit/>
+          </a:bodyPr>
+          <a:p>
+            <a:r>
+              <a:rPr lang="zh-CN" altLang="en-US"/>
+              <a:t>因为字百度，淘宝，</a:t>
+            </a:r>
+            <a:r>
+              <a:rPr lang="en-US" altLang="zh-CN"/>
+              <a:t>qq</a:t>
+            </a:r>
+            <a:r>
+              <a:rPr lang="zh-CN" altLang="en-US"/>
+              <a:t>，京东，几个字在</a:t>
+            </a:r>
+            <a:r>
+              <a:rPr lang="en-US" altLang="zh-CN"/>
+              <a:t>a</a:t>
+            </a:r>
+            <a:r>
+              <a:rPr lang="zh-CN" altLang="en-US"/>
+              <a:t>标签里面所以我们定义样式要正在</a:t>
+            </a:r>
+            <a:r>
+              <a:rPr lang="en-US" altLang="zh-CN"/>
+              <a:t>a</a:t>
+            </a:r>
+            <a:r>
+              <a:rPr lang="zh-CN" altLang="en-US"/>
+              <a:t>标签上面。</a:t>
+            </a:r>
+            <a:endParaRPr lang="zh-CN" altLang="en-US"/>
+          </a:p>
+        </p:txBody>
+      </p:sp>
+    </p:spTree>
+  </p:cSld>
+  <p:clrMapOvr>
+    <a:masterClrMapping/>
+  </p:clrMapOvr>
+</p:sld>
+</file>
+
+<file path=ppt/slides/slide38.xml><?xml version="1.0" encoding="utf-8"?>
+<p:sld xmlns:a="http://schemas.openxmlformats.org/drawingml/2006/main" xmlns:r="http://schemas.openxmlformats.org/officeDocument/2006/relationships" xmlns:p="http://schemas.openxmlformats.org/presentationml/2006/main">
+  <p:cSld>
+    <p:spTree>
+      <p:nvGrpSpPr>
+        <p:cNvPr id="1" name=""/>
+        <p:cNvGrpSpPr/>
+        <p:nvPr/>
+      </p:nvGrpSpPr>
+      <p:grpSpPr/>
+      <p:sp>
+        <p:nvSpPr>
+          <p:cNvPr id="2" name="标题 1"/>
+          <p:cNvSpPr>
+            <a:spLocks noGrp="1"/>
+          </p:cNvSpPr>
+          <p:nvPr>
+            <p:ph type="title"/>
+          </p:nvPr>
+        </p:nvSpPr>
+        <p:spPr/>
+        <p:txBody>
+          <a:bodyPr>
+            <a:normAutofit fontScale="90000"/>
+          </a:bodyPr>
+          <a:p>
+            <a:r>
+              <a:rPr lang="zh-CN" altLang="en-US"/>
+              <a:t>去掉百度，淘宝，</a:t>
+            </a:r>
+            <a:r>
+              <a:rPr lang="en-US" altLang="zh-CN"/>
+              <a:t>qq</a:t>
+            </a:r>
+            <a:r>
+              <a:rPr lang="zh-CN" altLang="en-US"/>
+              <a:t>，京东下面的一个横线</a:t>
+            </a:r>
+            <a:endParaRPr lang="zh-CN" altLang="en-US"/>
+          </a:p>
+        </p:txBody>
+      </p:sp>
+      <p:pic>
+        <p:nvPicPr>
+          <p:cNvPr id="4" name="内容占位符 3"/>
+          <p:cNvPicPr>
+            <a:picLocks noChangeAspect="1"/>
+          </p:cNvPicPr>
+          <p:nvPr>
+            <p:ph idx="1"/>
+          </p:nvPr>
+        </p:nvPicPr>
+        <p:blipFill>
+          <a:blip r:embed="rId1"/>
+          <a:stretch>
+            <a:fillRect/>
+          </a:stretch>
+        </p:blipFill>
+        <p:spPr>
+          <a:xfrm>
+            <a:off x="954405" y="1811020"/>
+            <a:ext cx="2247900" cy="1000125"/>
+          </a:xfrm>
+          <a:prstGeom prst="rect">
+            <a:avLst/>
+          </a:prstGeom>
+        </p:spPr>
+      </p:pic>
+      <p:sp>
+        <p:nvSpPr>
+          <p:cNvPr id="5" name="文本框 4"/>
+          <p:cNvSpPr txBox="1"/>
+          <p:nvPr/>
+        </p:nvSpPr>
+        <p:spPr>
+          <a:xfrm>
+            <a:off x="1637665" y="2767330"/>
+            <a:ext cx="7997190" cy="916940"/>
+          </a:xfrm>
+          <a:prstGeom prst="rect">
+            <a:avLst/>
+          </a:prstGeom>
+          <a:noFill/>
+        </p:spPr>
+        <p:txBody>
+          <a:bodyPr wrap="square" rtlCol="0">
+            <a:spAutoFit/>
+          </a:bodyPr>
+          <a:p>
+            <a:r>
+              <a:rPr lang="en-US" altLang="zh-CN"/>
+              <a:t>text-decoration</a:t>
+            </a:r>
+            <a:r>
+              <a:rPr lang="zh-CN" altLang="en-US"/>
+              <a:t>：</a:t>
+            </a:r>
+            <a:r>
+              <a:rPr lang="en-US" altLang="zh-CN"/>
+              <a:t>none</a:t>
+            </a:r>
+            <a:r>
+              <a:rPr lang="zh-CN" altLang="en-US"/>
+              <a:t>；</a:t>
+            </a:r>
+            <a:r>
+              <a:rPr lang="en-US" altLang="zh-CN"/>
+              <a:t>text</a:t>
+            </a:r>
+            <a:r>
+              <a:rPr lang="zh-CN" altLang="en-US"/>
+              <a:t>是文本的意思，</a:t>
+            </a:r>
+            <a:r>
+              <a:rPr lang="en-US" altLang="zh-CN"/>
+              <a:t>decoration</a:t>
+            </a:r>
+            <a:endParaRPr lang="en-US" altLang="zh-CN"/>
+          </a:p>
+          <a:p>
+            <a:r>
+              <a:rPr lang="zh-CN" altLang="en-US"/>
+              <a:t>是样式下划线，</a:t>
+            </a:r>
+            <a:r>
+              <a:rPr lang="en-US" altLang="zh-CN"/>
+              <a:t>none</a:t>
+            </a:r>
+            <a:r>
+              <a:rPr lang="zh-CN" altLang="en-US"/>
+              <a:t>是没有的意思。一句话概括就是把这个百度，淘宝这个文字的下面的横线设置成没有。</a:t>
+            </a:r>
+            <a:endParaRPr lang="zh-CN" altLang="en-US"/>
+          </a:p>
+        </p:txBody>
+      </p:sp>
+      <p:pic>
+        <p:nvPicPr>
+          <p:cNvPr id="6" name="图片 5"/>
+          <p:cNvPicPr>
+            <a:picLocks noChangeAspect="1"/>
+          </p:cNvPicPr>
+          <p:nvPr/>
+        </p:nvPicPr>
+        <p:blipFill>
+          <a:blip r:embed="rId2"/>
+          <a:stretch>
+            <a:fillRect/>
+          </a:stretch>
+        </p:blipFill>
+        <p:spPr>
+          <a:xfrm>
+            <a:off x="659765" y="4692650"/>
+            <a:ext cx="1809750" cy="828675"/>
+          </a:xfrm>
+          <a:prstGeom prst="rect">
+            <a:avLst/>
+          </a:prstGeom>
+        </p:spPr>
+      </p:pic>
+      <p:sp>
+        <p:nvSpPr>
+          <p:cNvPr id="8" name="文本框 7"/>
+          <p:cNvSpPr txBox="1"/>
+          <p:nvPr/>
+        </p:nvSpPr>
+        <p:spPr>
+          <a:xfrm>
+            <a:off x="2997200" y="4677410"/>
+            <a:ext cx="5780405" cy="365760"/>
+          </a:xfrm>
+          <a:prstGeom prst="rect">
+            <a:avLst/>
+          </a:prstGeom>
+          <a:noFill/>
+        </p:spPr>
+        <p:txBody>
+          <a:bodyPr wrap="square" rtlCol="0">
+            <a:spAutoFit/>
+          </a:bodyPr>
+          <a:p>
+            <a:r>
+              <a:rPr lang="zh-CN" altLang="en-US"/>
+              <a:t>去掉后的效果</a:t>
+            </a:r>
+            <a:endParaRPr lang="zh-CN" altLang="en-US"/>
+          </a:p>
+        </p:txBody>
+      </p:sp>
+      <p:sp>
+        <p:nvSpPr>
+          <p:cNvPr id="9" name="文本框 8"/>
+          <p:cNvSpPr txBox="1"/>
+          <p:nvPr/>
+        </p:nvSpPr>
+        <p:spPr>
+          <a:xfrm>
+            <a:off x="3585210" y="1689735"/>
+            <a:ext cx="3747135" cy="365760"/>
+          </a:xfrm>
+          <a:prstGeom prst="rect">
+            <a:avLst/>
+          </a:prstGeom>
+          <a:noFill/>
+        </p:spPr>
+        <p:txBody>
+          <a:bodyPr wrap="square" rtlCol="0">
+            <a:spAutoFit/>
+          </a:bodyPr>
+          <a:p>
+            <a:r>
+              <a:rPr lang="zh-CN" altLang="en-US"/>
+              <a:t>去掉前的效果</a:t>
+            </a:r>
+            <a:endParaRPr lang="zh-CN" altLang="en-US"/>
+          </a:p>
+        </p:txBody>
+      </p:sp>
+    </p:spTree>
+  </p:cSld>
+  <p:clrMapOvr>
+    <a:masterClrMapping/>
+  </p:clrMapOvr>
+</p:sld>
+</file>
+
+<file path=ppt/slides/slide39.xml><?xml version="1.0" encoding="utf-8"?>
+<p:sld xmlns:a="http://schemas.openxmlformats.org/drawingml/2006/main" xmlns:r="http://schemas.openxmlformats.org/officeDocument/2006/relationships" xmlns:p="http://schemas.openxmlformats.org/presentationml/2006/main">
+  <p:cSld>
+    <p:spTree>
+      <p:nvGrpSpPr>
+        <p:cNvPr id="1" name=""/>
+        <p:cNvGrpSpPr/>
+        <p:nvPr/>
+      </p:nvGrpSpPr>
+      <p:grpSpPr/>
+      <p:sp>
+        <p:nvSpPr>
+          <p:cNvPr id="2" name="标题 1"/>
+          <p:cNvSpPr>
+            <a:spLocks noGrp="1"/>
+          </p:cNvSpPr>
+          <p:nvPr>
+            <p:ph type="title"/>
+          </p:nvPr>
+        </p:nvSpPr>
+        <p:spPr/>
+        <p:txBody>
+          <a:bodyPr>
+            <a:normAutofit fontScale="90000"/>
+          </a:bodyPr>
+          <a:p>
+            <a:r>
+              <a:rPr lang="en-US" altLang="zh-CN"/>
+              <a:t>padding-left</a:t>
+            </a:r>
+            <a:r>
+              <a:rPr lang="zh-CN" altLang="en-US"/>
+              <a:t>：</a:t>
+            </a:r>
+            <a:r>
+              <a:rPr lang="en-US" altLang="zh-CN"/>
+              <a:t>xx px</a:t>
+            </a:r>
+            <a:r>
+              <a:rPr lang="zh-CN" altLang="en-US"/>
+              <a:t>这是元素里面到左边的距离</a:t>
+            </a:r>
+            <a:endParaRPr lang="zh-CN" altLang="en-US"/>
+          </a:p>
+        </p:txBody>
+      </p:sp>
+      <p:pic>
+        <p:nvPicPr>
+          <p:cNvPr id="5" name="内容占位符 4"/>
+          <p:cNvPicPr>
+            <a:picLocks noChangeAspect="1"/>
+          </p:cNvPicPr>
+          <p:nvPr>
+            <p:ph idx="1"/>
+          </p:nvPr>
+        </p:nvPicPr>
+        <p:blipFill>
+          <a:blip r:embed="rId1"/>
+          <a:stretch>
+            <a:fillRect/>
+          </a:stretch>
+        </p:blipFill>
+        <p:spPr>
+          <a:xfrm>
+            <a:off x="1330960" y="4028440"/>
+            <a:ext cx="1323975" cy="1047750"/>
+          </a:xfrm>
+          <a:prstGeom prst="rect">
+            <a:avLst/>
+          </a:prstGeom>
+        </p:spPr>
+      </p:pic>
+      <p:sp>
+        <p:nvSpPr>
+          <p:cNvPr id="6" name="文本框 5"/>
+          <p:cNvSpPr txBox="1"/>
+          <p:nvPr/>
+        </p:nvSpPr>
+        <p:spPr>
+          <a:xfrm>
+            <a:off x="3854450" y="4126230"/>
+            <a:ext cx="2719070" cy="642620"/>
+          </a:xfrm>
+          <a:prstGeom prst="rect">
+            <a:avLst/>
+          </a:prstGeom>
+          <a:noFill/>
+        </p:spPr>
+        <p:txBody>
+          <a:bodyPr wrap="square" rtlCol="0">
+            <a:spAutoFit/>
+          </a:bodyPr>
+          <a:p>
+            <a:r>
+              <a:rPr lang="zh-CN" altLang="en-US"/>
+              <a:t>这个是设置</a:t>
+            </a:r>
+            <a:r>
+              <a:rPr lang="en-US" altLang="zh-CN"/>
+              <a:t>padding-left</a:t>
+            </a:r>
+            <a:r>
+              <a:rPr lang="zh-CN" altLang="en-US"/>
+              <a:t>：</a:t>
+            </a:r>
+            <a:r>
+              <a:rPr lang="en-US" altLang="zh-CN"/>
+              <a:t>70px</a:t>
+            </a:r>
+            <a:r>
+              <a:rPr lang="zh-CN" altLang="en-US"/>
+              <a:t>；后的效果。</a:t>
+            </a:r>
+            <a:endParaRPr lang="zh-CN" altLang="en-US"/>
+          </a:p>
+        </p:txBody>
+      </p:sp>
+      <p:pic>
+        <p:nvPicPr>
+          <p:cNvPr id="7" name="图片 6"/>
+          <p:cNvPicPr>
+            <a:picLocks noChangeAspect="1"/>
+          </p:cNvPicPr>
+          <p:nvPr/>
+        </p:nvPicPr>
+        <p:blipFill>
+          <a:blip r:embed="rId2"/>
+          <a:stretch>
+            <a:fillRect/>
+          </a:stretch>
+        </p:blipFill>
+        <p:spPr>
+          <a:xfrm>
+            <a:off x="1091565" y="1690370"/>
+            <a:ext cx="1485900" cy="1028700"/>
+          </a:xfrm>
+          <a:prstGeom prst="rect">
+            <a:avLst/>
+          </a:prstGeom>
+        </p:spPr>
+      </p:pic>
+      <p:sp>
+        <p:nvSpPr>
+          <p:cNvPr id="8" name="文本框 7"/>
+          <p:cNvSpPr txBox="1"/>
+          <p:nvPr/>
+        </p:nvSpPr>
+        <p:spPr>
+          <a:xfrm>
+            <a:off x="3388995" y="1628140"/>
+            <a:ext cx="4763770" cy="368300"/>
+          </a:xfrm>
+          <a:prstGeom prst="rect">
+            <a:avLst/>
+          </a:prstGeom>
+          <a:noFill/>
+        </p:spPr>
+        <p:txBody>
+          <a:bodyPr wrap="square" rtlCol="0">
+            <a:spAutoFit/>
+          </a:bodyPr>
+          <a:p>
+            <a:r>
+              <a:rPr lang="zh-CN" altLang="en-US"/>
+              <a:t>这是没有设置</a:t>
+            </a:r>
+            <a:r>
+              <a:rPr lang="en-US" altLang="zh-CN"/>
+              <a:t>padding-left</a:t>
+            </a:r>
+            <a:r>
+              <a:rPr lang="zh-CN" altLang="en-US"/>
+              <a:t>前的效果。</a:t>
+            </a:r>
+            <a:endParaRPr lang="zh-CN" altLang="en-US"/>
+          </a:p>
+        </p:txBody>
+      </p:sp>
     </p:spTree>
   </p:cSld>
   <p:clrMapOvr>
@@ -5500,6 +6489,1094 @@
 </p:sld>
 </file>
 
+<file path=ppt/slides/slide40.xml><?xml version="1.0" encoding="utf-8"?>
+<p:sld xmlns:a="http://schemas.openxmlformats.org/drawingml/2006/main" xmlns:r="http://schemas.openxmlformats.org/officeDocument/2006/relationships" xmlns:p="http://schemas.openxmlformats.org/presentationml/2006/main">
+  <p:cSld>
+    <p:spTree>
+      <p:nvGrpSpPr>
+        <p:cNvPr id="1" name=""/>
+        <p:cNvGrpSpPr/>
+        <p:nvPr/>
+      </p:nvGrpSpPr>
+      <p:grpSpPr/>
+      <p:sp>
+        <p:nvSpPr>
+          <p:cNvPr id="2" name="标题 1"/>
+          <p:cNvSpPr>
+            <a:spLocks noGrp="1"/>
+          </p:cNvSpPr>
+          <p:nvPr>
+            <p:ph type="title"/>
+          </p:nvPr>
+        </p:nvSpPr>
+        <p:spPr/>
+        <p:txBody>
+          <a:bodyPr/>
+          <a:p>
+            <a:r>
+              <a:rPr lang="en-US" altLang="zh-CN"/>
+              <a:t>a</a:t>
+            </a:r>
+            <a:r>
+              <a:rPr lang="zh-CN" altLang="en-US"/>
+              <a:t>定义宽度</a:t>
+            </a:r>
+            <a:endParaRPr lang="zh-CN" altLang="en-US"/>
+          </a:p>
+        </p:txBody>
+      </p:sp>
+      <p:pic>
+        <p:nvPicPr>
+          <p:cNvPr id="4" name="内容占位符 3"/>
+          <p:cNvPicPr>
+            <a:picLocks noChangeAspect="1"/>
+          </p:cNvPicPr>
+          <p:nvPr>
+            <p:ph idx="1"/>
+          </p:nvPr>
+        </p:nvPicPr>
+        <p:blipFill>
+          <a:blip r:embed="rId1"/>
+          <a:stretch>
+            <a:fillRect/>
+          </a:stretch>
+        </p:blipFill>
+        <p:spPr>
+          <a:xfrm>
+            <a:off x="1280795" y="3323590"/>
+            <a:ext cx="5172075" cy="1257300"/>
+          </a:xfrm>
+          <a:prstGeom prst="rect">
+            <a:avLst/>
+          </a:prstGeom>
+        </p:spPr>
+      </p:pic>
+    </p:spTree>
+  </p:cSld>
+  <p:clrMapOvr>
+    <a:masterClrMapping/>
+  </p:clrMapOvr>
+</p:sld>
+</file>
+
+<file path=ppt/slides/slide41.xml><?xml version="1.0" encoding="utf-8"?>
+<p:sld xmlns:a="http://schemas.openxmlformats.org/drawingml/2006/main" xmlns:r="http://schemas.openxmlformats.org/officeDocument/2006/relationships" xmlns:p="http://schemas.openxmlformats.org/presentationml/2006/main">
+  <p:cSld>
+    <p:spTree>
+      <p:nvGrpSpPr>
+        <p:cNvPr id="1" name=""/>
+        <p:cNvGrpSpPr/>
+        <p:nvPr/>
+      </p:nvGrpSpPr>
+      <p:grpSpPr/>
+      <p:sp>
+        <p:nvSpPr>
+          <p:cNvPr id="2" name="标题 1"/>
+          <p:cNvSpPr>
+            <a:spLocks noGrp="1"/>
+          </p:cNvSpPr>
+          <p:nvPr>
+            <p:ph type="title"/>
+          </p:nvPr>
+        </p:nvSpPr>
+        <p:spPr/>
+        <p:txBody>
+          <a:bodyPr>
+            <a:normAutofit fontScale="90000"/>
+          </a:bodyPr>
+          <a:p>
+            <a:r>
+              <a:rPr lang="zh-CN" altLang="en-US"/>
+              <a:t>文字的左右居中怎么实现？</a:t>
+            </a:r>
+            <a:r>
+              <a:rPr lang="en-US" altLang="zh-CN"/>
+              <a:t>text-align</a:t>
+            </a:r>
+            <a:r>
+              <a:rPr lang="zh-CN" altLang="en-US"/>
+              <a:t>：</a:t>
+            </a:r>
+            <a:r>
+              <a:rPr lang="en-US" altLang="zh-CN"/>
+              <a:t>center</a:t>
+            </a:r>
+            <a:r>
+              <a:rPr lang="zh-CN" altLang="en-US"/>
+              <a:t>；</a:t>
+            </a:r>
+            <a:endParaRPr lang="zh-CN" altLang="en-US"/>
+          </a:p>
+        </p:txBody>
+      </p:sp>
+      <p:sp>
+        <p:nvSpPr>
+          <p:cNvPr id="3" name="内容占位符 2"/>
+          <p:cNvSpPr>
+            <a:spLocks noGrp="1"/>
+          </p:cNvSpPr>
+          <p:nvPr>
+            <p:ph idx="1"/>
+          </p:nvPr>
+        </p:nvSpPr>
+        <p:spPr/>
+        <p:txBody>
+          <a:bodyPr/>
+          <a:p>
+            <a:r>
+              <a:rPr lang="en-US" altLang="zh-CN"/>
+              <a:t>text-align</a:t>
+            </a:r>
+            <a:r>
+              <a:rPr lang="zh-CN" altLang="en-US"/>
+              <a:t>：</a:t>
+            </a:r>
+            <a:r>
+              <a:rPr lang="en-US" altLang="zh-CN"/>
+              <a:t>center</a:t>
+            </a:r>
+            <a:r>
+              <a:rPr lang="zh-CN" altLang="en-US"/>
+              <a:t>的意思是文本对起方式，其中</a:t>
+            </a:r>
+            <a:r>
+              <a:rPr lang="en-US" altLang="zh-CN"/>
+              <a:t>center</a:t>
+            </a:r>
+            <a:r>
+              <a:rPr lang="zh-CN" altLang="en-US"/>
+              <a:t>是居中的意思，中间。</a:t>
+            </a:r>
+            <a:endParaRPr lang="zh-CN" altLang="en-US"/>
+          </a:p>
+        </p:txBody>
+      </p:sp>
+      <p:pic>
+        <p:nvPicPr>
+          <p:cNvPr id="4" name="图片 3"/>
+          <p:cNvPicPr>
+            <a:picLocks noChangeAspect="1"/>
+          </p:cNvPicPr>
+          <p:nvPr/>
+        </p:nvPicPr>
+        <p:blipFill>
+          <a:blip r:embed="rId1"/>
+          <a:stretch>
+            <a:fillRect/>
+          </a:stretch>
+        </p:blipFill>
+        <p:spPr>
+          <a:xfrm>
+            <a:off x="739775" y="3869055"/>
+            <a:ext cx="6057265" cy="981075"/>
+          </a:xfrm>
+          <a:prstGeom prst="rect">
+            <a:avLst/>
+          </a:prstGeom>
+        </p:spPr>
+      </p:pic>
+      <p:sp>
+        <p:nvSpPr>
+          <p:cNvPr id="5" name="文本框 4"/>
+          <p:cNvSpPr txBox="1"/>
+          <p:nvPr/>
+        </p:nvSpPr>
+        <p:spPr>
+          <a:xfrm>
+            <a:off x="7638415" y="3710305"/>
+            <a:ext cx="2976245" cy="642620"/>
+          </a:xfrm>
+          <a:prstGeom prst="rect">
+            <a:avLst/>
+          </a:prstGeom>
+          <a:noFill/>
+        </p:spPr>
+        <p:txBody>
+          <a:bodyPr wrap="square" rtlCol="0">
+            <a:spAutoFit/>
+          </a:bodyPr>
+          <a:p>
+            <a:r>
+              <a:rPr lang="zh-CN" altLang="en-US"/>
+              <a:t>这个是设置了</a:t>
+            </a:r>
+            <a:r>
+              <a:rPr lang="en-US" altLang="zh-CN"/>
+              <a:t>text-align</a:t>
+            </a:r>
+            <a:r>
+              <a:rPr lang="zh-CN" altLang="en-US"/>
+              <a:t>：</a:t>
+            </a:r>
+            <a:r>
+              <a:rPr lang="en-US" altLang="zh-CN"/>
+              <a:t>center</a:t>
+            </a:r>
+            <a:r>
+              <a:rPr lang="zh-CN" altLang="en-US"/>
+              <a:t>后文字居中</a:t>
+            </a:r>
+            <a:endParaRPr lang="zh-CN" altLang="en-US"/>
+          </a:p>
+        </p:txBody>
+      </p:sp>
+    </p:spTree>
+  </p:cSld>
+  <p:clrMapOvr>
+    <a:masterClrMapping/>
+  </p:clrMapOvr>
+</p:sld>
+</file>
+
+<file path=ppt/slides/slide42.xml><?xml version="1.0" encoding="utf-8"?>
+<p:sld xmlns:a="http://schemas.openxmlformats.org/drawingml/2006/main" xmlns:r="http://schemas.openxmlformats.org/officeDocument/2006/relationships" xmlns:p="http://schemas.openxmlformats.org/presentationml/2006/main">
+  <p:cSld>
+    <p:spTree>
+      <p:nvGrpSpPr>
+        <p:cNvPr id="1" name=""/>
+        <p:cNvGrpSpPr/>
+        <p:nvPr/>
+      </p:nvGrpSpPr>
+      <p:grpSpPr/>
+      <p:sp>
+        <p:nvSpPr>
+          <p:cNvPr id="2" name="标题 1"/>
+          <p:cNvSpPr>
+            <a:spLocks noGrp="1"/>
+          </p:cNvSpPr>
+          <p:nvPr>
+            <p:ph type="title"/>
+          </p:nvPr>
+        </p:nvSpPr>
+        <p:spPr/>
+        <p:txBody>
+          <a:bodyPr/>
+          <a:p>
+            <a:r>
+              <a:rPr lang="zh-CN" altLang="en-US"/>
+              <a:t>注释文本</a:t>
+            </a:r>
+            <a:r>
+              <a:rPr lang="en-US" altLang="zh-CN"/>
+              <a:t>control+shift+/</a:t>
+            </a:r>
+            <a:endParaRPr lang="zh-CN" altLang="en-US"/>
+          </a:p>
+        </p:txBody>
+      </p:sp>
+      <p:sp>
+        <p:nvSpPr>
+          <p:cNvPr id="3" name="内容占位符 2"/>
+          <p:cNvSpPr>
+            <a:spLocks noGrp="1"/>
+          </p:cNvSpPr>
+          <p:nvPr>
+            <p:ph idx="1"/>
+          </p:nvPr>
+        </p:nvSpPr>
+        <p:spPr/>
+        <p:txBody>
+          <a:bodyPr/>
+          <a:p>
+            <a:r>
+              <a:rPr lang="zh-CN" altLang="en-US"/>
+              <a:t>这是注释文本的</a:t>
+            </a:r>
+            <a:endParaRPr lang="zh-CN" altLang="en-US"/>
+          </a:p>
+          <a:p>
+            <a:r>
+              <a:rPr lang="zh-CN" altLang="en-US"/>
+              <a:t>例如： /* background: red;*/</a:t>
+            </a:r>
+            <a:endParaRPr lang="zh-CN" altLang="en-US"/>
+          </a:p>
+        </p:txBody>
+      </p:sp>
+    </p:spTree>
+  </p:cSld>
+  <p:clrMapOvr>
+    <a:masterClrMapping/>
+  </p:clrMapOvr>
+</p:sld>
+</file>
+
+<file path=ppt/slides/slide43.xml><?xml version="1.0" encoding="utf-8"?>
+<p:sld xmlns:a="http://schemas.openxmlformats.org/drawingml/2006/main" xmlns:r="http://schemas.openxmlformats.org/officeDocument/2006/relationships" xmlns:p="http://schemas.openxmlformats.org/presentationml/2006/main">
+  <p:cSld>
+    <p:spTree>
+      <p:nvGrpSpPr>
+        <p:cNvPr id="1" name=""/>
+        <p:cNvGrpSpPr/>
+        <p:nvPr/>
+      </p:nvGrpSpPr>
+      <p:grpSpPr/>
+      <p:sp>
+        <p:nvSpPr>
+          <p:cNvPr id="2" name="标题 1"/>
+          <p:cNvSpPr>
+            <a:spLocks noGrp="1"/>
+          </p:cNvSpPr>
+          <p:nvPr>
+            <p:ph type="title"/>
+          </p:nvPr>
+        </p:nvSpPr>
+        <p:spPr/>
+        <p:txBody>
+          <a:bodyPr/>
+          <a:p>
+            <a:r>
+              <a:rPr lang="en-US" altLang="zh-CN"/>
+              <a:t>h</a:t>
+            </a:r>
+            <a:r>
+              <a:rPr lang="zh-CN" altLang="en-US"/>
+              <a:t>标签从</a:t>
+            </a:r>
+            <a:r>
+              <a:rPr lang="en-US" altLang="zh-CN"/>
+              <a:t>h1-h6</a:t>
+            </a:r>
+            <a:r>
+              <a:rPr lang="zh-CN" altLang="en-US"/>
+              <a:t>字体大小是逐渐减少的。</a:t>
+            </a:r>
+            <a:endParaRPr lang="zh-CN" altLang="en-US"/>
+          </a:p>
+        </p:txBody>
+      </p:sp>
+      <p:pic>
+        <p:nvPicPr>
+          <p:cNvPr id="4" name="内容占位符 3"/>
+          <p:cNvPicPr>
+            <a:picLocks noChangeAspect="1"/>
+          </p:cNvPicPr>
+          <p:nvPr>
+            <p:ph idx="1"/>
+          </p:nvPr>
+        </p:nvPicPr>
+        <p:blipFill>
+          <a:blip r:embed="rId1"/>
+          <a:stretch>
+            <a:fillRect/>
+          </a:stretch>
+        </p:blipFill>
+        <p:spPr>
+          <a:xfrm>
+            <a:off x="805815" y="2473325"/>
+            <a:ext cx="2667000" cy="2981325"/>
+          </a:xfrm>
+          <a:prstGeom prst="rect">
+            <a:avLst/>
+          </a:prstGeom>
+        </p:spPr>
+      </p:pic>
+      <p:pic>
+        <p:nvPicPr>
+          <p:cNvPr id="5" name="图片 4"/>
+          <p:cNvPicPr>
+            <a:picLocks noChangeAspect="1"/>
+          </p:cNvPicPr>
+          <p:nvPr/>
+        </p:nvPicPr>
+        <p:blipFill>
+          <a:blip r:embed="rId2"/>
+          <a:stretch>
+            <a:fillRect/>
+          </a:stretch>
+        </p:blipFill>
+        <p:spPr>
+          <a:xfrm>
+            <a:off x="3212465" y="2756535"/>
+            <a:ext cx="2533650" cy="1809750"/>
+          </a:xfrm>
+          <a:prstGeom prst="rect">
+            <a:avLst/>
+          </a:prstGeom>
+        </p:spPr>
+      </p:pic>
+      <p:sp>
+        <p:nvSpPr>
+          <p:cNvPr id="6" name="文本框 5"/>
+          <p:cNvSpPr txBox="1"/>
+          <p:nvPr/>
+        </p:nvSpPr>
+        <p:spPr>
+          <a:xfrm>
+            <a:off x="6695440" y="2779395"/>
+            <a:ext cx="2804795" cy="1739900"/>
+          </a:xfrm>
+          <a:prstGeom prst="rect">
+            <a:avLst/>
+          </a:prstGeom>
+          <a:noFill/>
+        </p:spPr>
+        <p:txBody>
+          <a:bodyPr wrap="square" rtlCol="0">
+            <a:spAutoFit/>
+          </a:bodyPr>
+          <a:p>
+            <a:r>
+              <a:rPr lang="en-US" altLang="zh-CN"/>
+              <a:t>h</a:t>
+            </a:r>
+            <a:r>
+              <a:rPr lang="zh-CN" altLang="en-US"/>
+              <a:t>标签就类似我们上学的时候做题目的标题，然后我们后面要学习</a:t>
+            </a:r>
+            <a:r>
+              <a:rPr lang="en-US" altLang="zh-CN"/>
+              <a:t>p</a:t>
+            </a:r>
+            <a:r>
+              <a:rPr lang="zh-CN" altLang="en-US"/>
+              <a:t>标签，</a:t>
+            </a:r>
+            <a:r>
+              <a:rPr lang="en-US" altLang="zh-CN"/>
+              <a:t>p</a:t>
+            </a:r>
+            <a:r>
+              <a:rPr lang="zh-CN" altLang="en-US"/>
+              <a:t>标签就类似于我们写文章的的正文。</a:t>
+            </a:r>
+            <a:r>
+              <a:rPr lang="en-US" altLang="zh-CN"/>
+              <a:t>h</a:t>
+            </a:r>
+            <a:r>
+              <a:rPr lang="zh-CN" altLang="en-US"/>
+              <a:t>标签也可以说是我们的文章的标题。</a:t>
+            </a:r>
+            <a:endParaRPr lang="zh-CN" altLang="en-US"/>
+          </a:p>
+        </p:txBody>
+      </p:sp>
+    </p:spTree>
+  </p:cSld>
+  <p:clrMapOvr>
+    <a:masterClrMapping/>
+  </p:clrMapOvr>
+</p:sld>
+</file>
+
+<file path=ppt/slides/slide44.xml><?xml version="1.0" encoding="utf-8"?>
+<p:sld xmlns:a="http://schemas.openxmlformats.org/drawingml/2006/main" xmlns:r="http://schemas.openxmlformats.org/officeDocument/2006/relationships" xmlns:p="http://schemas.openxmlformats.org/presentationml/2006/main">
+  <p:cSld>
+    <p:spTree>
+      <p:nvGrpSpPr>
+        <p:cNvPr id="1" name=""/>
+        <p:cNvGrpSpPr/>
+        <p:nvPr/>
+      </p:nvGrpSpPr>
+      <p:grpSpPr/>
+      <p:sp>
+        <p:nvSpPr>
+          <p:cNvPr id="2" name="标题 1"/>
+          <p:cNvSpPr>
+            <a:spLocks noGrp="1"/>
+          </p:cNvSpPr>
+          <p:nvPr>
+            <p:ph type="title"/>
+          </p:nvPr>
+        </p:nvSpPr>
+        <p:spPr/>
+        <p:txBody>
+          <a:bodyPr/>
+          <a:p>
+            <a:r>
+              <a:rPr lang="en-US" altLang="zh-CN"/>
+              <a:t>text-align</a:t>
+            </a:r>
+            <a:r>
+              <a:rPr lang="zh-CN" altLang="en-US"/>
+              <a:t>：</a:t>
+            </a:r>
+            <a:r>
+              <a:rPr lang="en-US" altLang="zh-CN"/>
+              <a:t>center</a:t>
+            </a:r>
+            <a:r>
+              <a:rPr lang="zh-CN" altLang="en-US"/>
+              <a:t>文本居中</a:t>
+            </a:r>
+            <a:endParaRPr lang="zh-CN" altLang="en-US"/>
+          </a:p>
+        </p:txBody>
+      </p:sp>
+      <p:pic>
+        <p:nvPicPr>
+          <p:cNvPr id="5" name="内容占位符 4"/>
+          <p:cNvPicPr>
+            <a:picLocks noChangeAspect="1"/>
+          </p:cNvPicPr>
+          <p:nvPr>
+            <p:ph idx="1"/>
+          </p:nvPr>
+        </p:nvPicPr>
+        <p:blipFill>
+          <a:blip r:embed="rId1"/>
+          <a:stretch>
+            <a:fillRect/>
+          </a:stretch>
+        </p:blipFill>
+        <p:spPr>
+          <a:xfrm>
+            <a:off x="715645" y="2601595"/>
+            <a:ext cx="10515600" cy="569595"/>
+          </a:xfrm>
+          <a:prstGeom prst="rect">
+            <a:avLst/>
+          </a:prstGeom>
+        </p:spPr>
+      </p:pic>
+      <p:pic>
+        <p:nvPicPr>
+          <p:cNvPr id="6" name="图片 5"/>
+          <p:cNvPicPr>
+            <a:picLocks noChangeAspect="1"/>
+          </p:cNvPicPr>
+          <p:nvPr/>
+        </p:nvPicPr>
+        <p:blipFill>
+          <a:blip r:embed="rId2"/>
+          <a:stretch>
+            <a:fillRect/>
+          </a:stretch>
+        </p:blipFill>
+        <p:spPr>
+          <a:xfrm>
+            <a:off x="1045845" y="3938270"/>
+            <a:ext cx="8237855" cy="1162050"/>
+          </a:xfrm>
+          <a:prstGeom prst="rect">
+            <a:avLst/>
+          </a:prstGeom>
+        </p:spPr>
+      </p:pic>
+    </p:spTree>
+  </p:cSld>
+  <p:clrMapOvr>
+    <a:masterClrMapping/>
+  </p:clrMapOvr>
+</p:sld>
+</file>
+
+<file path=ppt/slides/slide45.xml><?xml version="1.0" encoding="utf-8"?>
+<p:sld xmlns:a="http://schemas.openxmlformats.org/drawingml/2006/main" xmlns:r="http://schemas.openxmlformats.org/officeDocument/2006/relationships" xmlns:p="http://schemas.openxmlformats.org/presentationml/2006/main">
+  <p:cSld>
+    <p:spTree>
+      <p:nvGrpSpPr>
+        <p:cNvPr id="1" name=""/>
+        <p:cNvGrpSpPr/>
+        <p:nvPr/>
+      </p:nvGrpSpPr>
+      <p:grpSpPr/>
+      <p:sp>
+        <p:nvSpPr>
+          <p:cNvPr id="2" name="标题 1"/>
+          <p:cNvSpPr>
+            <a:spLocks noGrp="1"/>
+          </p:cNvSpPr>
+          <p:nvPr>
+            <p:ph type="title"/>
+          </p:nvPr>
+        </p:nvSpPr>
+        <p:spPr/>
+        <p:txBody>
+          <a:bodyPr/>
+          <a:p>
+            <a:r>
+              <a:rPr lang="zh-CN" altLang="en-US"/>
+              <a:t>图片和文字混排</a:t>
+            </a:r>
+            <a:endParaRPr lang="zh-CN" altLang="en-US"/>
+          </a:p>
+        </p:txBody>
+      </p:sp>
+      <p:pic>
+        <p:nvPicPr>
+          <p:cNvPr id="4" name="内容占位符 3"/>
+          <p:cNvPicPr>
+            <a:picLocks noChangeAspect="1"/>
+          </p:cNvPicPr>
+          <p:nvPr>
+            <p:ph idx="1"/>
+          </p:nvPr>
+        </p:nvPicPr>
+        <p:blipFill>
+          <a:blip r:embed="rId1"/>
+          <a:stretch>
+            <a:fillRect/>
+          </a:stretch>
+        </p:blipFill>
+        <p:spPr>
+          <a:xfrm>
+            <a:off x="551815" y="1838325"/>
+            <a:ext cx="10352405" cy="4351655"/>
+          </a:xfrm>
+          <a:prstGeom prst="rect">
+            <a:avLst/>
+          </a:prstGeom>
+        </p:spPr>
+      </p:pic>
+    </p:spTree>
+  </p:cSld>
+  <p:clrMapOvr>
+    <a:masterClrMapping/>
+  </p:clrMapOvr>
+</p:sld>
+</file>
+
+<file path=ppt/slides/slide46.xml><?xml version="1.0" encoding="utf-8"?>
+<p:sld xmlns:a="http://schemas.openxmlformats.org/drawingml/2006/main" xmlns:r="http://schemas.openxmlformats.org/officeDocument/2006/relationships" xmlns:p="http://schemas.openxmlformats.org/presentationml/2006/main">
+  <p:cSld>
+    <p:spTree>
+      <p:nvGrpSpPr>
+        <p:cNvPr id="1" name=""/>
+        <p:cNvGrpSpPr/>
+        <p:nvPr/>
+      </p:nvGrpSpPr>
+      <p:grpSpPr/>
+      <p:sp>
+        <p:nvSpPr>
+          <p:cNvPr id="2" name="标题 1"/>
+          <p:cNvSpPr>
+            <a:spLocks noGrp="1"/>
+          </p:cNvSpPr>
+          <p:nvPr>
+            <p:ph type="title"/>
+          </p:nvPr>
+        </p:nvSpPr>
+        <p:spPr/>
+        <p:txBody>
+          <a:bodyPr/>
+          <a:p>
+            <a:r>
+              <a:rPr lang="zh-CN" altLang="en-US"/>
+              <a:t>图片标签</a:t>
+            </a:r>
+            <a:r>
+              <a:rPr lang="en-US" altLang="zh-CN"/>
+              <a:t>&lt;img src=”</a:t>
+            </a:r>
+            <a:r>
+              <a:rPr lang="zh-CN" altLang="en-US"/>
+              <a:t>这是图片的地址</a:t>
+            </a:r>
+            <a:r>
+              <a:rPr lang="en-US" altLang="zh-CN"/>
+              <a:t>”&gt;</a:t>
+            </a:r>
+            <a:endParaRPr lang="en-US" altLang="zh-CN"/>
+          </a:p>
+        </p:txBody>
+      </p:sp>
+      <p:pic>
+        <p:nvPicPr>
+          <p:cNvPr id="4" name="内容占位符 3"/>
+          <p:cNvPicPr>
+            <a:picLocks noChangeAspect="1"/>
+          </p:cNvPicPr>
+          <p:nvPr>
+            <p:ph idx="1"/>
+          </p:nvPr>
+        </p:nvPicPr>
+        <p:blipFill>
+          <a:blip r:embed="rId1"/>
+          <a:stretch>
+            <a:fillRect/>
+          </a:stretch>
+        </p:blipFill>
+        <p:spPr>
+          <a:xfrm>
+            <a:off x="1111885" y="2360295"/>
+            <a:ext cx="3009900" cy="1028700"/>
+          </a:xfrm>
+          <a:prstGeom prst="rect">
+            <a:avLst/>
+          </a:prstGeom>
+        </p:spPr>
+      </p:pic>
+    </p:spTree>
+  </p:cSld>
+  <p:clrMapOvr>
+    <a:masterClrMapping/>
+  </p:clrMapOvr>
+</p:sld>
+</file>
+
+<file path=ppt/slides/slide47.xml><?xml version="1.0" encoding="utf-8"?>
+<p:sld xmlns:a="http://schemas.openxmlformats.org/drawingml/2006/main" xmlns:r="http://schemas.openxmlformats.org/officeDocument/2006/relationships" xmlns:p="http://schemas.openxmlformats.org/presentationml/2006/main">
+  <p:cSld>
+    <p:spTree>
+      <p:nvGrpSpPr>
+        <p:cNvPr id="1" name=""/>
+        <p:cNvGrpSpPr/>
+        <p:nvPr/>
+      </p:nvGrpSpPr>
+      <p:grpSpPr/>
+      <p:sp>
+        <p:nvSpPr>
+          <p:cNvPr id="2" name="标题 1"/>
+          <p:cNvSpPr>
+            <a:spLocks noGrp="1"/>
+          </p:cNvSpPr>
+          <p:nvPr>
+            <p:ph type="title"/>
+          </p:nvPr>
+        </p:nvSpPr>
+        <p:spPr/>
+        <p:txBody>
+          <a:bodyPr>
+            <a:normAutofit/>
+          </a:bodyPr>
+          <a:p>
+            <a:r>
+              <a:rPr lang="zh-CN" altLang="en-US"/>
+              <a:t>把</a:t>
+            </a:r>
+            <a:r>
+              <a:rPr lang="en-US" altLang="zh-CN"/>
+              <a:t>a</a:t>
+            </a:r>
+            <a:r>
+              <a:rPr lang="zh-CN" altLang="en-US"/>
+              <a:t>标签变成块及元素才能设置高度，宽度</a:t>
+            </a:r>
+            <a:endParaRPr lang="zh-CN" altLang="en-US"/>
+          </a:p>
+        </p:txBody>
+      </p:sp>
+      <p:pic>
+        <p:nvPicPr>
+          <p:cNvPr id="4" name="内容占位符 3"/>
+          <p:cNvPicPr>
+            <a:picLocks noChangeAspect="1"/>
+          </p:cNvPicPr>
+          <p:nvPr>
+            <p:ph idx="1"/>
+          </p:nvPr>
+        </p:nvPicPr>
+        <p:blipFill>
+          <a:blip r:embed="rId1"/>
+          <a:stretch>
+            <a:fillRect/>
+          </a:stretch>
+        </p:blipFill>
+        <p:spPr>
+          <a:xfrm>
+            <a:off x="2266950" y="1825625"/>
+            <a:ext cx="7657465" cy="4351655"/>
+          </a:xfrm>
+          <a:prstGeom prst="rect">
+            <a:avLst/>
+          </a:prstGeom>
+        </p:spPr>
+      </p:pic>
+    </p:spTree>
+  </p:cSld>
+  <p:clrMapOvr>
+    <a:masterClrMapping/>
+  </p:clrMapOvr>
+</p:sld>
+</file>
+
+<file path=ppt/slides/slide48.xml><?xml version="1.0" encoding="utf-8"?>
+<p:sld xmlns:a="http://schemas.openxmlformats.org/drawingml/2006/main" xmlns:r="http://schemas.openxmlformats.org/officeDocument/2006/relationships" xmlns:p="http://schemas.openxmlformats.org/presentationml/2006/main">
+  <p:cSld>
+    <p:spTree>
+      <p:nvGrpSpPr>
+        <p:cNvPr id="1" name=""/>
+        <p:cNvGrpSpPr/>
+        <p:nvPr/>
+      </p:nvGrpSpPr>
+      <p:grpSpPr/>
+      <p:sp>
+        <p:nvSpPr>
+          <p:cNvPr id="2" name="标题 1"/>
+          <p:cNvSpPr>
+            <a:spLocks noGrp="1"/>
+          </p:cNvSpPr>
+          <p:nvPr>
+            <p:ph type="title"/>
+          </p:nvPr>
+        </p:nvSpPr>
+        <p:spPr/>
+        <p:txBody>
+          <a:bodyPr>
+            <a:normAutofit/>
+          </a:bodyPr>
+          <a:p>
+            <a:r>
+              <a:rPr lang="en-US" altLang="zh-CN"/>
+              <a:t>css</a:t>
+            </a:r>
+            <a:r>
+              <a:rPr lang="zh-CN" altLang="en-US"/>
+              <a:t>属性：</a:t>
+            </a:r>
+            <a:r>
+              <a:rPr lang="en-US" altLang="zh-CN"/>
+              <a:t>float</a:t>
+            </a:r>
+            <a:r>
+              <a:rPr lang="zh-CN" altLang="en-US"/>
+              <a:t>：</a:t>
+            </a:r>
+            <a:r>
+              <a:rPr lang="en-US" altLang="zh-CN"/>
+              <a:t>right</a:t>
+            </a:r>
+            <a:r>
+              <a:rPr lang="zh-CN" altLang="en-US"/>
+              <a:t>；</a:t>
+            </a:r>
+            <a:endParaRPr lang="zh-CN" altLang="en-US"/>
+          </a:p>
+        </p:txBody>
+      </p:sp>
+      <p:pic>
+        <p:nvPicPr>
+          <p:cNvPr id="4" name="内容占位符 3"/>
+          <p:cNvPicPr>
+            <a:picLocks noChangeAspect="1"/>
+          </p:cNvPicPr>
+          <p:nvPr>
+            <p:ph idx="1"/>
+          </p:nvPr>
+        </p:nvPicPr>
+        <p:blipFill>
+          <a:blip r:embed="rId1"/>
+          <a:stretch>
+            <a:fillRect/>
+          </a:stretch>
+        </p:blipFill>
+        <p:spPr>
+          <a:xfrm>
+            <a:off x="1433830" y="2299970"/>
+            <a:ext cx="2686050" cy="828675"/>
+          </a:xfrm>
+          <a:prstGeom prst="rect">
+            <a:avLst/>
+          </a:prstGeom>
+        </p:spPr>
+      </p:pic>
+      <p:pic>
+        <p:nvPicPr>
+          <p:cNvPr id="5" name="图片 4"/>
+          <p:cNvPicPr>
+            <a:picLocks noChangeAspect="1"/>
+          </p:cNvPicPr>
+          <p:nvPr/>
+        </p:nvPicPr>
+        <p:blipFill>
+          <a:blip r:embed="rId2"/>
+          <a:stretch>
+            <a:fillRect/>
+          </a:stretch>
+        </p:blipFill>
+        <p:spPr>
+          <a:xfrm>
+            <a:off x="5989320" y="1972945"/>
+            <a:ext cx="2809240" cy="1123950"/>
+          </a:xfrm>
+          <a:prstGeom prst="rect">
+            <a:avLst/>
+          </a:prstGeom>
+        </p:spPr>
+      </p:pic>
+      <p:sp>
+        <p:nvSpPr>
+          <p:cNvPr id="6" name="文本框 5"/>
+          <p:cNvSpPr txBox="1"/>
+          <p:nvPr/>
+        </p:nvSpPr>
+        <p:spPr>
+          <a:xfrm>
+            <a:off x="1245870" y="3930650"/>
+            <a:ext cx="5057775" cy="642620"/>
+          </a:xfrm>
+          <a:prstGeom prst="rect">
+            <a:avLst/>
+          </a:prstGeom>
+          <a:noFill/>
+        </p:spPr>
+        <p:txBody>
+          <a:bodyPr wrap="square" rtlCol="0">
+            <a:spAutoFit/>
+          </a:bodyPr>
+          <a:p>
+            <a:r>
+              <a:rPr lang="en-US" altLang="zh-CN">
+                <a:sym typeface="+mn-ea"/>
+              </a:rPr>
+              <a:t>float</a:t>
+            </a:r>
+            <a:r>
+              <a:rPr lang="zh-CN" altLang="en-US">
+                <a:sym typeface="+mn-ea"/>
+              </a:rPr>
+              <a:t>的意思是浮动，</a:t>
+            </a:r>
+            <a:r>
+              <a:rPr lang="en-US" altLang="zh-CN">
+                <a:sym typeface="+mn-ea"/>
+              </a:rPr>
+              <a:t>right</a:t>
+            </a:r>
+            <a:r>
+              <a:rPr lang="zh-CN" altLang="en-US">
+                <a:sym typeface="+mn-ea"/>
+              </a:rPr>
+              <a:t>：右边的意思。概括起来就是向右边浮动。</a:t>
+            </a:r>
+            <a:endParaRPr lang="zh-CN" altLang="en-US">
+              <a:sym typeface="+mn-ea"/>
+            </a:endParaRPr>
+          </a:p>
+        </p:txBody>
+      </p:sp>
+      <p:pic>
+        <p:nvPicPr>
+          <p:cNvPr id="7" name="图片 6"/>
+          <p:cNvPicPr>
+            <a:picLocks noChangeAspect="1"/>
+          </p:cNvPicPr>
+          <p:nvPr/>
+        </p:nvPicPr>
+        <p:blipFill>
+          <a:blip r:embed="rId3"/>
+          <a:stretch>
+            <a:fillRect/>
+          </a:stretch>
+        </p:blipFill>
+        <p:spPr>
+          <a:xfrm>
+            <a:off x="6953250" y="3963035"/>
+            <a:ext cx="3380740" cy="476250"/>
+          </a:xfrm>
+          <a:prstGeom prst="rect">
+            <a:avLst/>
+          </a:prstGeom>
+        </p:spPr>
+      </p:pic>
+    </p:spTree>
+  </p:cSld>
+  <p:clrMapOvr>
+    <a:masterClrMapping/>
+  </p:clrMapOvr>
+</p:sld>
+</file>
+
+<file path=ppt/slides/slide49.xml><?xml version="1.0" encoding="utf-8"?>
+<p:sld xmlns:a="http://schemas.openxmlformats.org/drawingml/2006/main" xmlns:r="http://schemas.openxmlformats.org/officeDocument/2006/relationships" xmlns:p="http://schemas.openxmlformats.org/presentationml/2006/main">
+  <p:cSld>
+    <p:spTree>
+      <p:nvGrpSpPr>
+        <p:cNvPr id="1" name=""/>
+        <p:cNvGrpSpPr/>
+        <p:nvPr/>
+      </p:nvGrpSpPr>
+      <p:grpSpPr/>
+      <p:sp>
+        <p:nvSpPr>
+          <p:cNvPr id="2" name="标题 1"/>
+          <p:cNvSpPr>
+            <a:spLocks noGrp="1"/>
+          </p:cNvSpPr>
+          <p:nvPr>
+            <p:ph type="title"/>
+          </p:nvPr>
+        </p:nvSpPr>
+        <p:spPr/>
+        <p:txBody>
+          <a:bodyPr>
+            <a:normAutofit/>
+          </a:bodyPr>
+          <a:p>
+            <a:r>
+              <a:rPr lang="zh-CN" altLang="en-US"/>
+              <a:t>相同的直接复制：</a:t>
+            </a:r>
+            <a:r>
+              <a:rPr lang="en-US" altLang="zh-CN"/>
+              <a:t>float</a:t>
+            </a:r>
+            <a:r>
+              <a:rPr lang="zh-CN" altLang="en-US"/>
+              <a:t>：</a:t>
+            </a:r>
+            <a:r>
+              <a:rPr lang="en-US" altLang="zh-CN"/>
+              <a:t>left</a:t>
+            </a:r>
+            <a:r>
+              <a:rPr lang="zh-CN" altLang="en-US"/>
+              <a:t>；</a:t>
+            </a:r>
+            <a:endParaRPr lang="en-US" altLang="zh-CN"/>
+          </a:p>
+        </p:txBody>
+      </p:sp>
+      <p:pic>
+        <p:nvPicPr>
+          <p:cNvPr id="4" name="内容占位符 3"/>
+          <p:cNvPicPr>
+            <a:picLocks noChangeAspect="1"/>
+          </p:cNvPicPr>
+          <p:nvPr>
+            <p:ph idx="1"/>
+          </p:nvPr>
+        </p:nvPicPr>
+        <p:blipFill>
+          <a:blip r:embed="rId1"/>
+          <a:stretch>
+            <a:fillRect/>
+          </a:stretch>
+        </p:blipFill>
+        <p:spPr>
+          <a:xfrm>
+            <a:off x="3177540" y="1666240"/>
+            <a:ext cx="9159240" cy="4351655"/>
+          </a:xfrm>
+          <a:prstGeom prst="rect">
+            <a:avLst/>
+          </a:prstGeom>
+        </p:spPr>
+      </p:pic>
+      <p:pic>
+        <p:nvPicPr>
+          <p:cNvPr id="5" name="图片 4"/>
+          <p:cNvPicPr>
+            <a:picLocks noChangeAspect="1"/>
+          </p:cNvPicPr>
+          <p:nvPr/>
+        </p:nvPicPr>
+        <p:blipFill>
+          <a:blip r:embed="rId2"/>
+          <a:stretch>
+            <a:fillRect/>
+          </a:stretch>
+        </p:blipFill>
+        <p:spPr>
+          <a:xfrm>
+            <a:off x="264795" y="1519555"/>
+            <a:ext cx="3123565" cy="5089525"/>
+          </a:xfrm>
+          <a:prstGeom prst="rect">
+            <a:avLst/>
+          </a:prstGeom>
+        </p:spPr>
+      </p:pic>
+    </p:spTree>
+  </p:cSld>
+  <p:clrMapOvr>
+    <a:masterClrMapping/>
+  </p:clrMapOvr>
+</p:sld>
+</file>
+
 <file path=ppt/slides/slide5.xml><?xml version="1.0" encoding="utf-8"?>
 <p:sld xmlns:a="http://schemas.openxmlformats.org/drawingml/2006/main" xmlns:r="http://schemas.openxmlformats.org/officeDocument/2006/relationships" xmlns:p="http://schemas.openxmlformats.org/presentationml/2006/main">
   <p:cSld>
@@ -5562,6 +7639,628 @@
           </a:prstGeom>
         </p:spPr>
       </p:pic>
+    </p:spTree>
+  </p:cSld>
+  <p:clrMapOvr>
+    <a:masterClrMapping/>
+  </p:clrMapOvr>
+</p:sld>
+</file>
+
+<file path=ppt/slides/slide50.xml><?xml version="1.0" encoding="utf-8"?>
+<p:sld xmlns:a="http://schemas.openxmlformats.org/drawingml/2006/main" xmlns:r="http://schemas.openxmlformats.org/officeDocument/2006/relationships" xmlns:p="http://schemas.openxmlformats.org/presentationml/2006/main">
+  <p:cSld>
+    <p:spTree>
+      <p:nvGrpSpPr>
+        <p:cNvPr id="1" name=""/>
+        <p:cNvGrpSpPr/>
+        <p:nvPr/>
+      </p:nvGrpSpPr>
+      <p:grpSpPr/>
+      <p:sp>
+        <p:nvSpPr>
+          <p:cNvPr id="2" name="标题 1"/>
+          <p:cNvSpPr>
+            <a:spLocks noGrp="1"/>
+          </p:cNvSpPr>
+          <p:nvPr>
+            <p:ph type="title"/>
+          </p:nvPr>
+        </p:nvSpPr>
+        <p:spPr/>
+        <p:txBody>
+          <a:bodyPr/>
+          <a:p>
+            <a:r>
+              <a:rPr lang="zh-CN" altLang="en-US"/>
+              <a:t>用</a:t>
+            </a:r>
+            <a:r>
+              <a:rPr lang="en-US" altLang="zh-CN"/>
+              <a:t>float</a:t>
+            </a:r>
+            <a:r>
+              <a:rPr lang="zh-CN" altLang="en-US"/>
+              <a:t>：</a:t>
+            </a:r>
+            <a:r>
+              <a:rPr lang="en-US" altLang="zh-CN"/>
+              <a:t>left</a:t>
+            </a:r>
+            <a:r>
+              <a:rPr lang="zh-CN" altLang="en-US"/>
+              <a:t>实现</a:t>
+            </a:r>
+            <a:r>
+              <a:rPr lang="en-US" altLang="zh-CN"/>
+              <a:t>div</a:t>
+            </a:r>
+            <a:r>
+              <a:rPr lang="zh-CN" altLang="en-US"/>
+              <a:t>在一行显示</a:t>
+            </a:r>
+            <a:endParaRPr lang="zh-CN" altLang="en-US"/>
+          </a:p>
+        </p:txBody>
+      </p:sp>
+      <p:pic>
+        <p:nvPicPr>
+          <p:cNvPr id="4" name="内容占位符 3"/>
+          <p:cNvPicPr>
+            <a:picLocks noChangeAspect="1"/>
+          </p:cNvPicPr>
+          <p:nvPr>
+            <p:ph idx="1"/>
+          </p:nvPr>
+        </p:nvPicPr>
+        <p:blipFill>
+          <a:blip r:embed="rId1"/>
+          <a:stretch>
+            <a:fillRect/>
+          </a:stretch>
+        </p:blipFill>
+        <p:spPr>
+          <a:xfrm>
+            <a:off x="838200" y="2749550"/>
+            <a:ext cx="10515600" cy="2503170"/>
+          </a:xfrm>
+          <a:prstGeom prst="rect">
+            <a:avLst/>
+          </a:prstGeom>
+        </p:spPr>
+      </p:pic>
+    </p:spTree>
+  </p:cSld>
+  <p:clrMapOvr>
+    <a:masterClrMapping/>
+  </p:clrMapOvr>
+</p:sld>
+</file>
+
+<file path=ppt/slides/slide51.xml><?xml version="1.0" encoding="utf-8"?>
+<p:sld xmlns:a="http://schemas.openxmlformats.org/drawingml/2006/main" xmlns:r="http://schemas.openxmlformats.org/officeDocument/2006/relationships" xmlns:p="http://schemas.openxmlformats.org/presentationml/2006/main">
+  <p:cSld>
+    <p:spTree>
+      <p:nvGrpSpPr>
+        <p:cNvPr id="1" name=""/>
+        <p:cNvGrpSpPr/>
+        <p:nvPr/>
+      </p:nvGrpSpPr>
+      <p:grpSpPr/>
+      <p:sp>
+        <p:nvSpPr>
+          <p:cNvPr id="2" name="标题 1"/>
+          <p:cNvSpPr>
+            <a:spLocks noGrp="1"/>
+          </p:cNvSpPr>
+          <p:nvPr>
+            <p:ph type="title"/>
+          </p:nvPr>
+        </p:nvSpPr>
+        <p:spPr/>
+        <p:txBody>
+          <a:bodyPr>
+            <a:normAutofit fontScale="90000"/>
+          </a:bodyPr>
+          <a:p>
+            <a:r>
+              <a:rPr lang="zh-CN" altLang="en-US"/>
+              <a:t>中间的白色空隙怎么实现：用</a:t>
+            </a:r>
+            <a:r>
+              <a:rPr lang="en-US" altLang="zh-CN"/>
+              <a:t>margin-right</a:t>
+            </a:r>
+            <a:r>
+              <a:rPr lang="zh-CN" altLang="en-US"/>
+              <a:t>：</a:t>
+            </a:r>
+            <a:r>
+              <a:rPr lang="en-US" altLang="zh-CN"/>
+              <a:t>xxx px</a:t>
+            </a:r>
+            <a:endParaRPr lang="en-US" altLang="zh-CN"/>
+          </a:p>
+        </p:txBody>
+      </p:sp>
+      <p:pic>
+        <p:nvPicPr>
+          <p:cNvPr id="4" name="内容占位符 3"/>
+          <p:cNvPicPr>
+            <a:picLocks noChangeAspect="1"/>
+          </p:cNvPicPr>
+          <p:nvPr>
+            <p:ph idx="1"/>
+          </p:nvPr>
+        </p:nvPicPr>
+        <p:blipFill>
+          <a:blip r:embed="rId1"/>
+          <a:stretch>
+            <a:fillRect/>
+          </a:stretch>
+        </p:blipFill>
+        <p:spPr>
+          <a:xfrm>
+            <a:off x="1096010" y="1800860"/>
+            <a:ext cx="826135" cy="4762500"/>
+          </a:xfrm>
+          <a:prstGeom prst="rect">
+            <a:avLst/>
+          </a:prstGeom>
+        </p:spPr>
+      </p:pic>
+      <p:pic>
+        <p:nvPicPr>
+          <p:cNvPr id="5" name="图片 4"/>
+          <p:cNvPicPr>
+            <a:picLocks noChangeAspect="1"/>
+          </p:cNvPicPr>
+          <p:nvPr/>
+        </p:nvPicPr>
+        <p:blipFill>
+          <a:blip r:embed="rId2"/>
+          <a:stretch>
+            <a:fillRect/>
+          </a:stretch>
+        </p:blipFill>
+        <p:spPr>
+          <a:xfrm>
+            <a:off x="2487295" y="1540510"/>
+            <a:ext cx="14283055" cy="4817110"/>
+          </a:xfrm>
+          <a:prstGeom prst="rect">
+            <a:avLst/>
+          </a:prstGeom>
+        </p:spPr>
+      </p:pic>
+    </p:spTree>
+  </p:cSld>
+  <p:clrMapOvr>
+    <a:masterClrMapping/>
+  </p:clrMapOvr>
+</p:sld>
+</file>
+
+<file path=ppt/slides/slide52.xml><?xml version="1.0" encoding="utf-8"?>
+<p:sld xmlns:a="http://schemas.openxmlformats.org/drawingml/2006/main" xmlns:r="http://schemas.openxmlformats.org/officeDocument/2006/relationships" xmlns:p="http://schemas.openxmlformats.org/presentationml/2006/main">
+  <p:cSld>
+    <p:spTree>
+      <p:nvGrpSpPr>
+        <p:cNvPr id="1" name=""/>
+        <p:cNvGrpSpPr/>
+        <p:nvPr/>
+      </p:nvGrpSpPr>
+      <p:grpSpPr/>
+      <p:sp>
+        <p:nvSpPr>
+          <p:cNvPr id="2" name="标题 1"/>
+          <p:cNvSpPr>
+            <a:spLocks noGrp="1"/>
+          </p:cNvSpPr>
+          <p:nvPr>
+            <p:ph type="title"/>
+          </p:nvPr>
+        </p:nvSpPr>
+        <p:spPr/>
+        <p:txBody>
+          <a:bodyPr/>
+          <a:p>
+            <a:pPr algn="ctr"/>
+            <a:r>
+              <a:rPr lang="zh-CN" altLang="en-US"/>
+              <a:t>总结</a:t>
+            </a:r>
+            <a:endParaRPr lang="zh-CN" altLang="en-US"/>
+          </a:p>
+        </p:txBody>
+      </p:sp>
+      <p:sp>
+        <p:nvSpPr>
+          <p:cNvPr id="3" name="内容占位符 2"/>
+          <p:cNvSpPr>
+            <a:spLocks noGrp="1"/>
+          </p:cNvSpPr>
+          <p:nvPr>
+            <p:ph idx="1"/>
+          </p:nvPr>
+        </p:nvSpPr>
+        <p:spPr>
+          <a:xfrm>
+            <a:off x="667385" y="1311275"/>
+            <a:ext cx="10686415" cy="5600700"/>
+          </a:xfrm>
+        </p:spPr>
+        <p:txBody>
+          <a:bodyPr/>
+          <a:p>
+            <a:r>
+              <a:rPr lang="zh-CN" altLang="en-US" sz="1600"/>
+              <a:t>一</a:t>
+            </a:r>
+            <a:r>
+              <a:rPr lang="en-US" altLang="zh-CN" sz="1600"/>
+              <a:t>.</a:t>
+            </a:r>
+            <a:r>
+              <a:rPr lang="zh-CN" altLang="en-US" sz="1600"/>
+              <a:t>标签</a:t>
+            </a:r>
+            <a:endParaRPr lang="zh-CN" altLang="en-US" sz="1600"/>
+          </a:p>
+          <a:p>
+            <a:r>
+              <a:rPr lang="en-US" altLang="zh-CN" sz="1600"/>
+              <a:t>1.</a:t>
+            </a:r>
+            <a:r>
+              <a:rPr lang="zh-CN" altLang="en-US" sz="1600"/>
+              <a:t>我们讲了</a:t>
+            </a:r>
+            <a:r>
+              <a:rPr lang="en-US" altLang="zh-CN" sz="1600"/>
+              <a:t>div</a:t>
+            </a:r>
+            <a:r>
+              <a:rPr lang="zh-CN" altLang="en-US" sz="1600"/>
+              <a:t>标签</a:t>
+            </a:r>
+            <a:endParaRPr lang="zh-CN" altLang="en-US" sz="1600"/>
+          </a:p>
+          <a:p>
+            <a:r>
+              <a:rPr lang="en-US" altLang="zh-CN" sz="1600"/>
+              <a:t>2.</a:t>
+            </a:r>
+            <a:r>
+              <a:rPr lang="zh-CN" altLang="en-US" sz="1600"/>
+              <a:t>我们讲了</a:t>
+            </a:r>
+            <a:r>
+              <a:rPr lang="en-US" altLang="zh-CN" sz="1600"/>
+              <a:t>a</a:t>
+            </a:r>
+            <a:r>
+              <a:rPr lang="zh-CN" altLang="en-US" sz="1600"/>
+              <a:t>标签</a:t>
+            </a:r>
+            <a:endParaRPr lang="zh-CN" altLang="en-US" sz="1600"/>
+          </a:p>
+          <a:p>
+            <a:r>
+              <a:rPr lang="en-US" altLang="zh-CN" sz="1600"/>
+              <a:t>3.h</a:t>
+            </a:r>
+            <a:r>
+              <a:rPr lang="zh-CN" altLang="en-US" sz="1600"/>
+              <a:t>标签：</a:t>
+            </a:r>
+            <a:r>
+              <a:rPr lang="en-US" altLang="zh-CN" sz="1600"/>
+              <a:t>h1</a:t>
+            </a:r>
+            <a:r>
+              <a:rPr lang="zh-CN" altLang="en-US" sz="1600"/>
+              <a:t>，</a:t>
+            </a:r>
+            <a:r>
+              <a:rPr lang="en-US" altLang="zh-CN" sz="1600"/>
+              <a:t>h2</a:t>
+            </a:r>
+            <a:r>
+              <a:rPr lang="zh-CN" altLang="en-US" sz="1600"/>
+              <a:t>，</a:t>
+            </a:r>
+            <a:r>
+              <a:rPr lang="en-US" altLang="zh-CN" sz="1600"/>
+              <a:t>h3</a:t>
+            </a:r>
+            <a:r>
+              <a:rPr lang="zh-CN" altLang="en-US" sz="1600"/>
+              <a:t>，</a:t>
+            </a:r>
+            <a:r>
+              <a:rPr lang="en-US" altLang="zh-CN" sz="1600"/>
+              <a:t>h4</a:t>
+            </a:r>
+            <a:r>
+              <a:rPr lang="zh-CN" altLang="en-US" sz="1600"/>
+              <a:t>，</a:t>
+            </a:r>
+            <a:r>
+              <a:rPr lang="en-US" altLang="zh-CN" sz="1600"/>
+              <a:t>h5</a:t>
+            </a:r>
+            <a:r>
+              <a:rPr lang="zh-CN" altLang="en-US" sz="1600"/>
+              <a:t>，</a:t>
+            </a:r>
+            <a:r>
+              <a:rPr lang="en-US" altLang="zh-CN" sz="1600"/>
+              <a:t>h6</a:t>
+            </a:r>
+            <a:endParaRPr lang="en-US" altLang="zh-CN" sz="1600"/>
+          </a:p>
+          <a:p>
+            <a:r>
+              <a:rPr lang="en-US" altLang="zh-CN" sz="1600"/>
+              <a:t>4.&lt;img src=””&gt;</a:t>
+            </a:r>
+            <a:r>
+              <a:rPr lang="zh-CN" altLang="en-US" sz="1600"/>
+              <a:t>标签</a:t>
+            </a:r>
+            <a:endParaRPr lang="zh-CN" altLang="en-US" sz="1600"/>
+          </a:p>
+          <a:p>
+            <a:r>
+              <a:rPr lang="en-US" altLang="zh-CN" sz="1600"/>
+              <a:t>5.&lt;p&gt;&lt;/p&gt;</a:t>
+            </a:r>
+            <a:r>
+              <a:rPr lang="zh-CN" altLang="en-US" sz="1600"/>
+              <a:t>标签</a:t>
+            </a:r>
+            <a:endParaRPr lang="zh-CN" altLang="en-US" sz="1600"/>
+          </a:p>
+          <a:p>
+            <a:r>
+              <a:rPr lang="zh-CN" altLang="en-US" sz="1600"/>
+              <a:t>二</a:t>
+            </a:r>
+            <a:r>
+              <a:rPr lang="en-US" altLang="zh-CN" sz="1600"/>
+              <a:t>.</a:t>
+            </a:r>
+            <a:r>
+              <a:rPr lang="zh-CN" altLang="en-US" sz="1600"/>
+              <a:t>样式：（</a:t>
+            </a:r>
+            <a:r>
+              <a:rPr lang="en-US" altLang="zh-CN" sz="1600"/>
+              <a:t>px</a:t>
+            </a:r>
+            <a:r>
+              <a:rPr lang="zh-CN" altLang="en-US" sz="1600"/>
+              <a:t>是像素是</a:t>
+            </a:r>
+            <a:r>
+              <a:rPr lang="en-US" altLang="zh-CN" sz="1600"/>
+              <a:t>html</a:t>
+            </a:r>
+            <a:r>
+              <a:rPr lang="zh-CN" altLang="en-US" sz="1600"/>
+              <a:t>中的基本单位，类似身高</a:t>
+            </a:r>
+            <a:r>
+              <a:rPr lang="en-US" altLang="zh-CN" sz="1600"/>
+              <a:t>cm</a:t>
+            </a:r>
+            <a:r>
+              <a:rPr lang="zh-CN" altLang="en-US" sz="1600"/>
+              <a:t>的单位</a:t>
+            </a:r>
+            <a:r>
+              <a:rPr lang="zh-CN" altLang="en-US" sz="1600"/>
+              <a:t>）</a:t>
+            </a:r>
+            <a:endParaRPr lang="zh-CN" altLang="en-US" sz="1600"/>
+          </a:p>
+          <a:p>
+            <a:r>
+              <a:rPr lang="en-US" altLang="zh-CN" sz="1600"/>
+              <a:t>1.&lt;style&gt;&lt;/style&gt;</a:t>
+            </a:r>
+            <a:r>
+              <a:rPr lang="zh-CN" altLang="en-US" sz="1600"/>
+              <a:t>定义样式的地方 </a:t>
+            </a:r>
+            <a:endParaRPr lang="zh-CN" altLang="en-US" sz="1600"/>
+          </a:p>
+          <a:p>
+            <a:r>
+              <a:rPr lang="en-US" altLang="zh-CN" sz="1600"/>
+              <a:t>2.text-align</a:t>
+            </a:r>
+            <a:r>
+              <a:rPr lang="zh-CN" altLang="en-US" sz="1600"/>
+              <a:t>：</a:t>
+            </a:r>
+            <a:r>
+              <a:rPr lang="en-US" altLang="zh-CN" sz="1600"/>
+              <a:t>center</a:t>
+            </a:r>
+            <a:r>
+              <a:rPr lang="zh-CN" altLang="en-US" sz="1600"/>
+              <a:t>文本居中，文字居中，</a:t>
+            </a:r>
+            <a:endParaRPr lang="zh-CN" altLang="en-US" sz="1600"/>
+          </a:p>
+          <a:p>
+            <a:r>
+              <a:rPr lang="en-US" altLang="zh-CN" sz="1600"/>
+              <a:t>3.</a:t>
+            </a:r>
+            <a:r>
+              <a:rPr lang="zh-CN" altLang="en-US" sz="1600"/>
+              <a:t>上下居中</a:t>
+            </a:r>
+            <a:r>
+              <a:rPr lang="en-US" altLang="zh-CN" sz="1600"/>
+              <a:t>line-height</a:t>
+            </a:r>
+            <a:r>
+              <a:rPr lang="zh-CN" altLang="en-US" sz="1600"/>
+              <a:t>：</a:t>
+            </a:r>
+            <a:r>
+              <a:rPr lang="en-US" altLang="zh-CN" sz="1600"/>
+              <a:t>45px</a:t>
+            </a:r>
+            <a:r>
+              <a:rPr lang="zh-CN" altLang="en-US" sz="1600"/>
+              <a:t>行高，当行高定义和高度值一样大的时候，文字会上下居中。</a:t>
+            </a:r>
+            <a:endParaRPr lang="zh-CN" altLang="en-US" sz="1600"/>
+          </a:p>
+          <a:p>
+            <a:r>
+              <a:rPr lang="en-US" altLang="zh-CN" sz="1600"/>
+              <a:t>4.backround</a:t>
+            </a:r>
+            <a:r>
+              <a:rPr lang="zh-CN" altLang="en-US" sz="1600"/>
+              <a:t>：</a:t>
+            </a:r>
+            <a:r>
+              <a:rPr lang="en-US" altLang="zh-CN" sz="1600"/>
+              <a:t>red</a:t>
+            </a:r>
+            <a:r>
+              <a:rPr lang="zh-CN" altLang="en-US" sz="1600"/>
+              <a:t>元素的的背景颜色</a:t>
+            </a:r>
+            <a:endParaRPr lang="zh-CN" altLang="en-US" sz="1600"/>
+          </a:p>
+          <a:p>
+            <a:r>
+              <a:rPr lang="en-US" altLang="zh-CN" sz="1600"/>
+              <a:t>5.font-size</a:t>
+            </a:r>
+            <a:r>
+              <a:rPr lang="zh-CN" altLang="en-US" sz="1600"/>
+              <a:t>：</a:t>
+            </a:r>
+            <a:r>
+              <a:rPr lang="en-US" altLang="zh-CN" sz="1600"/>
+              <a:t>16px</a:t>
+            </a:r>
+            <a:endParaRPr lang="en-US" altLang="zh-CN" sz="1600"/>
+          </a:p>
+          <a:p>
+            <a:r>
+              <a:rPr lang="en-US" altLang="zh-CN" sz="1600"/>
+              <a:t>6.float</a:t>
+            </a:r>
+            <a:r>
+              <a:rPr lang="zh-CN" altLang="en-US" sz="1600"/>
+              <a:t>：</a:t>
+            </a:r>
+            <a:r>
+              <a:rPr lang="en-US" altLang="zh-CN" sz="1600"/>
+              <a:t>left</a:t>
+            </a:r>
+            <a:r>
+              <a:rPr lang="zh-CN" altLang="en-US" sz="1600"/>
+              <a:t>；浮动：左边。意思是向左浮动。</a:t>
+            </a:r>
+            <a:endParaRPr lang="zh-CN" altLang="en-US" sz="1600"/>
+          </a:p>
+          <a:p>
+            <a:r>
+              <a:rPr lang="en-US" altLang="zh-CN" sz="1600"/>
+              <a:t>7.margin-right</a:t>
+            </a:r>
+            <a:r>
+              <a:rPr lang="zh-CN" altLang="en-US" sz="1600"/>
+              <a:t>：</a:t>
+            </a:r>
+            <a:r>
+              <a:rPr lang="en-US" altLang="zh-CN" sz="1600"/>
+              <a:t>10px</a:t>
+            </a:r>
+            <a:r>
+              <a:rPr lang="zh-CN" altLang="en-US" sz="1600"/>
+              <a:t>；元素外边到右边的距离等于</a:t>
+            </a:r>
+            <a:r>
+              <a:rPr lang="en-US" altLang="zh-CN" sz="1600"/>
+              <a:t>10</a:t>
+            </a:r>
+            <a:r>
+              <a:rPr lang="zh-CN" altLang="en-US" sz="1600"/>
+              <a:t>单位的像素。</a:t>
+            </a:r>
+            <a:endParaRPr lang="zh-CN" altLang="en-US" sz="1600"/>
+          </a:p>
+          <a:p>
+            <a:r>
+              <a:rPr lang="en-US" altLang="zh-CN" sz="1600"/>
+              <a:t>8.padding-left</a:t>
+            </a:r>
+            <a:r>
+              <a:rPr lang="zh-CN" altLang="en-US" sz="1600"/>
+              <a:t>：</a:t>
+            </a:r>
+            <a:r>
+              <a:rPr lang="en-US" altLang="zh-CN" sz="1600"/>
+              <a:t>10px</a:t>
+            </a:r>
+            <a:r>
+              <a:rPr lang="zh-CN" altLang="en-US" sz="1600"/>
+              <a:t>；元素里面到左边的距离等于</a:t>
+            </a:r>
+            <a:r>
+              <a:rPr lang="en-US" altLang="zh-CN" sz="1600"/>
+              <a:t>10</a:t>
+            </a:r>
+            <a:r>
+              <a:rPr lang="zh-CN" altLang="en-US" sz="1600"/>
+              <a:t>个单位的像素。</a:t>
+            </a:r>
+            <a:endParaRPr lang="zh-CN" altLang="en-US" sz="1600"/>
+          </a:p>
+          <a:p>
+            <a:r>
+              <a:rPr lang="en-US" altLang="zh-CN" sz="1600"/>
+              <a:t>9.text-decoration</a:t>
+            </a:r>
+            <a:r>
+              <a:rPr lang="zh-CN" altLang="en-US" sz="1600"/>
+              <a:t>：</a:t>
+            </a:r>
+            <a:r>
+              <a:rPr lang="en-US" altLang="zh-CN" sz="1600"/>
+              <a:t>none</a:t>
+            </a:r>
+            <a:r>
+              <a:rPr lang="zh-CN" altLang="en-US" sz="1600"/>
+              <a:t>；设置</a:t>
+            </a:r>
+            <a:r>
+              <a:rPr lang="en-US" altLang="zh-CN" sz="1600"/>
+              <a:t>a</a:t>
+            </a:r>
+            <a:r>
+              <a:rPr lang="zh-CN" altLang="en-US" sz="1600"/>
+              <a:t>标签的下划线为没有。</a:t>
+            </a:r>
+            <a:endParaRPr lang="zh-CN" altLang="en-US" sz="1600"/>
+          </a:p>
+          <a:p>
+            <a:endParaRPr lang="en-US" altLang="zh-CN"/>
+          </a:p>
+        </p:txBody>
+      </p:sp>
     </p:spTree>
   </p:cSld>
   <p:clrMapOvr>
